--- a/docs/diagrams/UiComponentClassDiagram.pptx
+++ b/docs/diagrams/UiComponentClassDiagram.pptx
@@ -8,7 +8,7 @@
     <p:notesMasterId r:id="rId3"/>
   </p:notesMasterIdLst>
   <p:sldIdLst>
-    <p:sldId id="260" r:id="rId2"/>
+    <p:sldId id="261" r:id="rId2"/>
   </p:sldIdLst>
   <p:sldSz cx="9144000" cy="6858000" type="screen4x3"/>
   <p:notesSz cx="6858000" cy="9144000"/>
@@ -126,6 +126,10 @@
 </p:presentation>
 </file>
 
+<file path=ppt/revisionInfo.xml><?xml version="1.0" encoding="utf-8"?>
+<p1510:revInfo xmlns:a="http://schemas.openxmlformats.org/drawingml/2006/main" xmlns:r="http://schemas.openxmlformats.org/officeDocument/2006/relationships" xmlns:p1510="http://schemas.microsoft.com/office/powerpoint/2015/10/main"/>
+</file>
+
 <file path=ppt/notesMasters/notesMaster1.xml><?xml version="1.0" encoding="utf-8"?>
 <p:notesMaster xmlns:a="http://schemas.openxmlformats.org/drawingml/2006/main" xmlns:r="http://schemas.openxmlformats.org/officeDocument/2006/relationships" xmlns:p="http://schemas.openxmlformats.org/presentationml/2006/main">
   <p:cSld>
@@ -208,7 +212,7 @@
           <a:p>
             <a:fld id="{F5CC4B3F-88C1-4FFA-B1B6-F41C21DC6924}" type="datetimeFigureOut">
               <a:rPr lang="en-US" smtClean="0"/>
-              <a:t>1/7/2017</a:t>
+              <a:t>11/1/2017</a:t>
             </a:fld>
             <a:endParaRPr lang="en-US"/>
           </a:p>
@@ -654,7 +658,7 @@
           <a:p>
             <a:fld id="{78C97017-6FC3-485B-9764-EAC9E56C1D49}" type="datetimeFigureOut">
               <a:rPr lang="en-US" smtClean="0"/>
-              <a:t>1/7/2017</a:t>
+              <a:t>11/1/2017</a:t>
             </a:fld>
             <a:endParaRPr lang="en-US"/>
           </a:p>
@@ -822,7 +826,7 @@
           <a:p>
             <a:fld id="{78C97017-6FC3-485B-9764-EAC9E56C1D49}" type="datetimeFigureOut">
               <a:rPr lang="en-US" smtClean="0"/>
-              <a:t>1/7/2017</a:t>
+              <a:t>11/1/2017</a:t>
             </a:fld>
             <a:endParaRPr lang="en-US"/>
           </a:p>
@@ -1000,7 +1004,7 @@
           <a:p>
             <a:fld id="{78C97017-6FC3-485B-9764-EAC9E56C1D49}" type="datetimeFigureOut">
               <a:rPr lang="en-US" smtClean="0"/>
-              <a:t>1/7/2017</a:t>
+              <a:t>11/1/2017</a:t>
             </a:fld>
             <a:endParaRPr lang="en-US"/>
           </a:p>
@@ -1168,7 +1172,7 @@
           <a:p>
             <a:fld id="{78C97017-6FC3-485B-9764-EAC9E56C1D49}" type="datetimeFigureOut">
               <a:rPr lang="en-US" smtClean="0"/>
-              <a:t>1/7/2017</a:t>
+              <a:t>11/1/2017</a:t>
             </a:fld>
             <a:endParaRPr lang="en-US"/>
           </a:p>
@@ -1413,7 +1417,7 @@
           <a:p>
             <a:fld id="{78C97017-6FC3-485B-9764-EAC9E56C1D49}" type="datetimeFigureOut">
               <a:rPr lang="en-US" smtClean="0"/>
-              <a:t>1/7/2017</a:t>
+              <a:t>11/1/2017</a:t>
             </a:fld>
             <a:endParaRPr lang="en-US"/>
           </a:p>
@@ -1698,7 +1702,7 @@
           <a:p>
             <a:fld id="{78C97017-6FC3-485B-9764-EAC9E56C1D49}" type="datetimeFigureOut">
               <a:rPr lang="en-US" smtClean="0"/>
-              <a:t>1/7/2017</a:t>
+              <a:t>11/1/2017</a:t>
             </a:fld>
             <a:endParaRPr lang="en-US"/>
           </a:p>
@@ -2117,7 +2121,7 @@
           <a:p>
             <a:fld id="{78C97017-6FC3-485B-9764-EAC9E56C1D49}" type="datetimeFigureOut">
               <a:rPr lang="en-US" smtClean="0"/>
-              <a:t>1/7/2017</a:t>
+              <a:t>11/1/2017</a:t>
             </a:fld>
             <a:endParaRPr lang="en-US"/>
           </a:p>
@@ -2234,7 +2238,7 @@
           <a:p>
             <a:fld id="{78C97017-6FC3-485B-9764-EAC9E56C1D49}" type="datetimeFigureOut">
               <a:rPr lang="en-US" smtClean="0"/>
-              <a:t>1/7/2017</a:t>
+              <a:t>11/1/2017</a:t>
             </a:fld>
             <a:endParaRPr lang="en-US"/>
           </a:p>
@@ -2329,7 +2333,7 @@
           <a:p>
             <a:fld id="{78C97017-6FC3-485B-9764-EAC9E56C1D49}" type="datetimeFigureOut">
               <a:rPr lang="en-US" smtClean="0"/>
-              <a:t>1/7/2017</a:t>
+              <a:t>11/1/2017</a:t>
             </a:fld>
             <a:endParaRPr lang="en-US"/>
           </a:p>
@@ -2604,7 +2608,7 @@
           <a:p>
             <a:fld id="{78C97017-6FC3-485B-9764-EAC9E56C1D49}" type="datetimeFigureOut">
               <a:rPr lang="en-US" smtClean="0"/>
-              <a:t>1/7/2017</a:t>
+              <a:t>11/1/2017</a:t>
             </a:fld>
             <a:endParaRPr lang="en-US"/>
           </a:p>
@@ -2856,7 +2860,7 @@
           <a:p>
             <a:fld id="{78C97017-6FC3-485B-9764-EAC9E56C1D49}" type="datetimeFigureOut">
               <a:rPr lang="en-US" smtClean="0"/>
-              <a:t>1/7/2017</a:t>
+              <a:t>11/1/2017</a:t>
             </a:fld>
             <a:endParaRPr lang="en-US"/>
           </a:p>
@@ -3067,7 +3071,7 @@
           <a:p>
             <a:fld id="{78C97017-6FC3-485B-9764-EAC9E56C1D49}" type="datetimeFigureOut">
               <a:rPr lang="en-US" smtClean="0"/>
-              <a:t>1/7/2017</a:t>
+              <a:t>11/1/2017</a:t>
             </a:fld>
             <a:endParaRPr lang="en-US"/>
           </a:p>
@@ -3442,197 +3446,311 @@
           <a:chExt cx="0" cy="0"/>
         </a:xfrm>
       </p:grpSpPr>
-      <p:sp>
-        <p:nvSpPr>
-          <p:cNvPr id="23" name="Rectangle 65"/>
-          <p:cNvSpPr/>
+      <p:grpSp>
+        <p:nvGrpSpPr>
+          <p:cNvPr id="54" name="Actor">
+            <a:extLst>
+              <a:ext uri="{FF2B5EF4-FFF2-40B4-BE49-F238E27FC236}">
+                <a16:creationId xmlns:a16="http://schemas.microsoft.com/office/drawing/2014/main" id="{A36088FA-4CDE-4F86-BAE4-A1514E973B36}"/>
+              </a:ext>
+            </a:extLst>
+          </p:cNvPr>
+          <p:cNvGrpSpPr/>
           <p:nvPr/>
-        </p:nvSpPr>
+        </p:nvGrpSpPr>
+        <p:grpSpPr>
+          <a:xfrm>
+            <a:off x="11466" y="526262"/>
+            <a:ext cx="324036" cy="573410"/>
+            <a:chOff x="3239901" y="4149080"/>
+            <a:chExt cx="648072" cy="1146820"/>
+          </a:xfrm>
+        </p:grpSpPr>
+        <p:sp>
+          <p:nvSpPr>
+            <p:cNvPr id="55" name="Flowchart: Connector 54">
+              <a:extLst>
+                <a:ext uri="{FF2B5EF4-FFF2-40B4-BE49-F238E27FC236}">
+                  <a16:creationId xmlns:a16="http://schemas.microsoft.com/office/drawing/2014/main" id="{A8504F33-3C09-40A8-9846-DEC090666749}"/>
+                </a:ext>
+              </a:extLst>
+            </p:cNvPr>
+            <p:cNvSpPr/>
+            <p:nvPr/>
+          </p:nvSpPr>
+          <p:spPr>
+            <a:xfrm>
+              <a:off x="3419872" y="4149080"/>
+              <a:ext cx="288032" cy="288032"/>
+            </a:xfrm>
+            <a:prstGeom prst="flowChartConnector">
+              <a:avLst/>
+            </a:prstGeom>
+            <a:solidFill>
+              <a:schemeClr val="bg1">
+                <a:lumMod val="85000"/>
+              </a:schemeClr>
+            </a:solidFill>
+            <a:ln w="28575">
+              <a:solidFill>
+                <a:schemeClr val="tx1"/>
+              </a:solidFill>
+            </a:ln>
+            <a:effectLst/>
+          </p:spPr>
+          <p:style>
+            <a:lnRef idx="1">
+              <a:schemeClr val="accent4"/>
+            </a:lnRef>
+            <a:fillRef idx="2">
+              <a:schemeClr val="accent4"/>
+            </a:fillRef>
+            <a:effectRef idx="1">
+              <a:schemeClr val="accent4"/>
+            </a:effectRef>
+            <a:fontRef idx="minor">
+              <a:schemeClr val="dk1"/>
+            </a:fontRef>
+          </p:style>
+          <p:txBody>
+            <a:bodyPr rtlCol="0" anchor="ctr"/>
+            <a:lstStyle/>
+            <a:p>
+              <a:pPr algn="ctr"/>
+              <a:endParaRPr lang="en-SG"/>
+            </a:p>
+          </p:txBody>
+        </p:sp>
+        <p:cxnSp>
+          <p:nvCxnSpPr>
+            <p:cNvPr id="56" name="Straight Connector 55">
+              <a:extLst>
+                <a:ext uri="{FF2B5EF4-FFF2-40B4-BE49-F238E27FC236}">
+                  <a16:creationId xmlns:a16="http://schemas.microsoft.com/office/drawing/2014/main" id="{6587F881-30A5-42C5-87DD-A636E10FCB09}"/>
+                </a:ext>
+              </a:extLst>
+            </p:cNvPr>
+            <p:cNvCxnSpPr>
+              <a:stCxn id="55" idx="4"/>
+            </p:cNvCxnSpPr>
+            <p:nvPr/>
+          </p:nvCxnSpPr>
+          <p:spPr>
+            <a:xfrm>
+              <a:off x="3563888" y="4437112"/>
+              <a:ext cx="0" cy="504056"/>
+            </a:xfrm>
+            <a:prstGeom prst="line">
+              <a:avLst/>
+            </a:prstGeom>
+            <a:ln w="28575">
+              <a:solidFill>
+                <a:schemeClr val="tx1"/>
+              </a:solidFill>
+            </a:ln>
+            <a:effectLst/>
+          </p:spPr>
+          <p:style>
+            <a:lnRef idx="1">
+              <a:schemeClr val="accent4"/>
+            </a:lnRef>
+            <a:fillRef idx="2">
+              <a:schemeClr val="accent4"/>
+            </a:fillRef>
+            <a:effectRef idx="1">
+              <a:schemeClr val="accent4"/>
+            </a:effectRef>
+            <a:fontRef idx="minor">
+              <a:schemeClr val="dk1"/>
+            </a:fontRef>
+          </p:style>
+        </p:cxnSp>
+        <p:sp>
+          <p:nvSpPr>
+            <p:cNvPr id="57" name="Freeform 9">
+              <a:extLst>
+                <a:ext uri="{FF2B5EF4-FFF2-40B4-BE49-F238E27FC236}">
+                  <a16:creationId xmlns:a16="http://schemas.microsoft.com/office/drawing/2014/main" id="{AB9EDA16-13F8-4AD9-9071-4E678553046E}"/>
+                </a:ext>
+              </a:extLst>
+            </p:cNvPr>
+            <p:cNvSpPr/>
+            <p:nvPr/>
+          </p:nvSpPr>
+          <p:spPr>
+            <a:xfrm>
+              <a:off x="3324225" y="4933950"/>
+              <a:ext cx="479425" cy="361950"/>
+            </a:xfrm>
+            <a:custGeom>
+              <a:avLst/>
+              <a:gdLst>
+                <a:gd name="connsiteX0" fmla="*/ 0 w 479425"/>
+                <a:gd name="connsiteY0" fmla="*/ 355600 h 361950"/>
+                <a:gd name="connsiteX1" fmla="*/ 241300 w 479425"/>
+                <a:gd name="connsiteY1" fmla="*/ 0 h 361950"/>
+                <a:gd name="connsiteX2" fmla="*/ 479425 w 479425"/>
+                <a:gd name="connsiteY2" fmla="*/ 361950 h 361950"/>
+              </a:gdLst>
+              <a:ahLst/>
+              <a:cxnLst>
+                <a:cxn ang="0">
+                  <a:pos x="connsiteX0" y="connsiteY0"/>
+                </a:cxn>
+                <a:cxn ang="0">
+                  <a:pos x="connsiteX1" y="connsiteY1"/>
+                </a:cxn>
+                <a:cxn ang="0">
+                  <a:pos x="connsiteX2" y="connsiteY2"/>
+                </a:cxn>
+              </a:cxnLst>
+              <a:rect l="l" t="t" r="r" b="b"/>
+              <a:pathLst>
+                <a:path w="479425" h="361950">
+                  <a:moveTo>
+                    <a:pt x="0" y="355600"/>
+                  </a:moveTo>
+                  <a:lnTo>
+                    <a:pt x="241300" y="0"/>
+                  </a:lnTo>
+                  <a:lnTo>
+                    <a:pt x="479425" y="361950"/>
+                  </a:lnTo>
+                </a:path>
+              </a:pathLst>
+            </a:custGeom>
+            <a:noFill/>
+            <a:ln w="28575">
+              <a:solidFill>
+                <a:schemeClr val="tx1"/>
+              </a:solidFill>
+            </a:ln>
+            <a:effectLst/>
+          </p:spPr>
+          <p:style>
+            <a:lnRef idx="1">
+              <a:schemeClr val="accent4"/>
+            </a:lnRef>
+            <a:fillRef idx="2">
+              <a:schemeClr val="accent4"/>
+            </a:fillRef>
+            <a:effectRef idx="1">
+              <a:schemeClr val="accent4"/>
+            </a:effectRef>
+            <a:fontRef idx="minor">
+              <a:schemeClr val="dk1"/>
+            </a:fontRef>
+          </p:style>
+          <p:txBody>
+            <a:bodyPr rtlCol="0" anchor="ctr"/>
+            <a:lstStyle/>
+            <a:p>
+              <a:pPr algn="ctr"/>
+              <a:endParaRPr lang="en-SG"/>
+            </a:p>
+          </p:txBody>
+        </p:sp>
+        <p:cxnSp>
+          <p:nvCxnSpPr>
+            <p:cNvPr id="58" name="Straight Connector 57">
+              <a:extLst>
+                <a:ext uri="{FF2B5EF4-FFF2-40B4-BE49-F238E27FC236}">
+                  <a16:creationId xmlns:a16="http://schemas.microsoft.com/office/drawing/2014/main" id="{4A39464A-F525-482C-8474-E9D4CB277A53}"/>
+                </a:ext>
+              </a:extLst>
+            </p:cNvPr>
+            <p:cNvCxnSpPr/>
+            <p:nvPr/>
+          </p:nvCxnSpPr>
+          <p:spPr>
+            <a:xfrm>
+              <a:off x="3239901" y="4509120"/>
+              <a:ext cx="648072" cy="0"/>
+            </a:xfrm>
+            <a:prstGeom prst="line">
+              <a:avLst/>
+            </a:prstGeom>
+            <a:ln w="28575">
+              <a:solidFill>
+                <a:schemeClr val="tx1"/>
+              </a:solidFill>
+            </a:ln>
+            <a:effectLst/>
+          </p:spPr>
+          <p:style>
+            <a:lnRef idx="1">
+              <a:schemeClr val="accent4"/>
+            </a:lnRef>
+            <a:fillRef idx="2">
+              <a:schemeClr val="accent4"/>
+            </a:fillRef>
+            <a:effectRef idx="1">
+              <a:schemeClr val="accent4"/>
+            </a:effectRef>
+            <a:fontRef idx="minor">
+              <a:schemeClr val="dk1"/>
+            </a:fontRef>
+          </p:style>
+        </p:cxnSp>
+      </p:grpSp>
+      <p:cxnSp>
+        <p:nvCxnSpPr>
+          <p:cNvPr id="59" name="Straight Connector 58">
+            <a:extLst>
+              <a:ext uri="{FF2B5EF4-FFF2-40B4-BE49-F238E27FC236}">
+                <a16:creationId xmlns:a16="http://schemas.microsoft.com/office/drawing/2014/main" id="{0E74E30E-7805-49C8-BDC0-808D0B1FDF47}"/>
+              </a:ext>
+            </a:extLst>
+          </p:cNvPr>
+          <p:cNvCxnSpPr/>
+          <p:nvPr/>
+        </p:nvCxnSpPr>
         <p:spPr>
-          <a:xfrm>
-            <a:off x="1217465" y="1447800"/>
-            <a:ext cx="4917083" cy="3962400"/>
+          <a:xfrm flipH="1">
+            <a:off x="171957" y="1103764"/>
+            <a:ext cx="24" cy="1598671"/>
           </a:xfrm>
-          <a:prstGeom prst="roundRect">
-            <a:avLst>
-              <a:gd name="adj" fmla="val 3484"/>
-            </a:avLst>
+          <a:prstGeom prst="line">
+            <a:avLst/>
           </a:prstGeom>
-          <a:solidFill>
-            <a:srgbClr val="F1F5E9"/>
-          </a:solidFill>
           <a:ln w="19050">
-            <a:noFill/>
+            <a:solidFill>
+              <a:schemeClr val="tx1"/>
+            </a:solidFill>
+            <a:prstDash val="sysDash"/>
           </a:ln>
           <a:effectLst/>
         </p:spPr>
         <p:style>
           <a:lnRef idx="1">
-            <a:schemeClr val="accent2"/>
+            <a:schemeClr val="accent1"/>
           </a:lnRef>
           <a:fillRef idx="2">
-            <a:schemeClr val="accent2"/>
+            <a:schemeClr val="accent1"/>
           </a:fillRef>
           <a:effectRef idx="1">
-            <a:schemeClr val="accent2"/>
+            <a:schemeClr val="accent1"/>
           </a:effectRef>
           <a:fontRef idx="minor">
             <a:schemeClr val="dk1"/>
           </a:fontRef>
         </p:style>
-        <p:txBody>
-          <a:bodyPr rtlCol="0" anchor="t"/>
-          <a:lstStyle/>
-          <a:p>
-            <a:r>
-              <a:rPr lang="en-US" sz="1200" b="1" dirty="0">
-                <a:solidFill>
-                  <a:schemeClr val="accent3">
-                    <a:lumMod val="75000"/>
-                  </a:schemeClr>
-                </a:solidFill>
-              </a:rPr>
-              <a:t>UI</a:t>
-            </a:r>
-            <a:endParaRPr lang="en-SG" sz="1200" b="1" dirty="0">
-              <a:solidFill>
-                <a:schemeClr val="accent3">
-                  <a:lumMod val="75000"/>
-                </a:schemeClr>
-              </a:solidFill>
-            </a:endParaRPr>
-          </a:p>
-        </p:txBody>
-      </p:sp>
-      <p:sp>
-        <p:nvSpPr>
-          <p:cNvPr id="2" name="Rectangle 8"/>
+      </p:cxnSp>
+      <p:sp>
+        <p:nvSpPr>
+          <p:cNvPr id="63" name="Rectangle 62">
+            <a:extLst>
+              <a:ext uri="{FF2B5EF4-FFF2-40B4-BE49-F238E27FC236}">
+                <a16:creationId xmlns:a16="http://schemas.microsoft.com/office/drawing/2014/main" id="{11193CD7-9B4E-4655-9F91-CD971292D0DA}"/>
+              </a:ext>
+            </a:extLst>
+          </p:cNvPr>
           <p:cNvSpPr/>
           <p:nvPr/>
         </p:nvSpPr>
         <p:spPr>
           <a:xfrm>
-            <a:off x="2095948" y="2341220"/>
-            <a:ext cx="1093635" cy="346760"/>
-          </a:xfrm>
-          <a:prstGeom prst="rect">
-            <a:avLst/>
-          </a:prstGeom>
-          <a:ln w="19050">
-            <a:solidFill>
-              <a:schemeClr val="accent3"/>
-            </a:solidFill>
-          </a:ln>
-          <a:effectLst/>
-        </p:spPr>
-        <p:style>
-          <a:lnRef idx="1">
-            <a:schemeClr val="accent3"/>
-          </a:lnRef>
-          <a:fillRef idx="2">
-            <a:schemeClr val="accent3"/>
-          </a:fillRef>
-          <a:effectRef idx="1">
-            <a:schemeClr val="accent3"/>
-          </a:effectRef>
-          <a:fontRef idx="minor">
-            <a:schemeClr val="dk1"/>
-          </a:fontRef>
-        </p:style>
-        <p:txBody>
-          <a:bodyPr rtlCol="0" anchor="ctr"/>
-          <a:lstStyle/>
-          <a:p>
-            <a:pPr algn="ctr"/>
-            <a:r>
-              <a:rPr lang="en-US" sz="1050" b="1" dirty="0" err="1">
-                <a:solidFill>
-                  <a:schemeClr val="accent3">
-                    <a:lumMod val="75000"/>
-                  </a:schemeClr>
-                </a:solidFill>
-              </a:rPr>
-              <a:t>MainWindow</a:t>
-            </a:r>
-            <a:endParaRPr lang="en-SG" sz="1050" b="1" dirty="0">
-              <a:solidFill>
-                <a:schemeClr val="accent3">
-                  <a:lumMod val="75000"/>
-                </a:schemeClr>
-              </a:solidFill>
-            </a:endParaRPr>
-          </a:p>
-        </p:txBody>
-      </p:sp>
-      <p:sp>
-        <p:nvSpPr>
-          <p:cNvPr id="3" name="Rectangle 11"/>
-          <p:cNvSpPr/>
-          <p:nvPr/>
-        </p:nvSpPr>
-        <p:spPr>
-          <a:xfrm>
-            <a:off x="2592528" y="2971800"/>
-            <a:ext cx="1093635" cy="236841"/>
-          </a:xfrm>
-          <a:prstGeom prst="rect">
-            <a:avLst/>
-          </a:prstGeom>
-          <a:ln w="19050">
-            <a:solidFill>
-              <a:schemeClr val="accent3"/>
-            </a:solidFill>
-          </a:ln>
-          <a:effectLst/>
-        </p:spPr>
-        <p:style>
-          <a:lnRef idx="1">
-            <a:schemeClr val="accent3"/>
-          </a:lnRef>
-          <a:fillRef idx="2">
-            <a:schemeClr val="accent3"/>
-          </a:fillRef>
-          <a:effectRef idx="1">
-            <a:schemeClr val="accent3"/>
-          </a:effectRef>
-          <a:fontRef idx="minor">
-            <a:schemeClr val="dk1"/>
-          </a:fontRef>
-        </p:style>
-        <p:txBody>
-          <a:bodyPr rtlCol="0" anchor="ctr"/>
-          <a:lstStyle/>
-          <a:p>
-            <a:pPr algn="ctr"/>
-            <a:r>
-              <a:rPr lang="en-US" sz="1050" b="1" dirty="0" err="1">
-                <a:solidFill>
-                  <a:schemeClr val="accent3">
-                    <a:lumMod val="75000"/>
-                  </a:schemeClr>
-                </a:solidFill>
-              </a:rPr>
-              <a:t>CommandBox</a:t>
-            </a:r>
-            <a:endParaRPr lang="en-SG" sz="1050" b="1" dirty="0">
-              <a:solidFill>
-                <a:schemeClr val="accent3">
-                  <a:lumMod val="75000"/>
-                </a:schemeClr>
-              </a:solidFill>
-            </a:endParaRPr>
-          </a:p>
-        </p:txBody>
-      </p:sp>
-      <p:sp>
-        <p:nvSpPr>
-          <p:cNvPr id="9" name="Rectangle 62"/>
-          <p:cNvSpPr/>
-          <p:nvPr/>
-        </p:nvSpPr>
-        <p:spPr>
-          <a:xfrm>
-            <a:off x="2092842" y="1770924"/>
+            <a:off x="926077" y="532902"/>
             <a:ext cx="1093635" cy="346760"/>
           </a:xfrm>
           <a:prstGeom prst="rect">
@@ -3668,14 +3786,14 @@
           <a:p>
             <a:pPr algn="ctr"/>
             <a:r>
-              <a:rPr lang="en-US" sz="1050" dirty="0" err="1">
+              <a:rPr lang="en-US" sz="1600" dirty="0">
                 <a:solidFill>
                   <a:schemeClr val="bg1"/>
                 </a:solidFill>
               </a:rPr>
-              <a:t>UiManager</a:t>
-            </a:r>
-            <a:endParaRPr lang="en-SG" sz="1050" dirty="0">
+              <a:t>:UI</a:t>
+            </a:r>
+            <a:endParaRPr lang="en-SG" sz="1600" dirty="0">
               <a:solidFill>
                 <a:schemeClr val="bg1"/>
               </a:solidFill>
@@ -3685,41 +3803,41 @@
       </p:sp>
       <p:cxnSp>
         <p:nvCxnSpPr>
-          <p:cNvPr id="10" name="Elbow Connector 63"/>
-          <p:cNvCxnSpPr>
-            <a:stCxn id="9" idx="2"/>
-            <a:endCxn id="2" idx="0"/>
-          </p:cNvCxnSpPr>
+          <p:cNvPr id="64" name="Straight Connector 63">
+            <a:extLst>
+              <a:ext uri="{FF2B5EF4-FFF2-40B4-BE49-F238E27FC236}">
+                <a16:creationId xmlns:a16="http://schemas.microsoft.com/office/drawing/2014/main" id="{0656AB17-64C9-449F-988E-2396639472BF}"/>
+              </a:ext>
+            </a:extLst>
+          </p:cNvPr>
+          <p:cNvCxnSpPr/>
           <p:nvPr/>
         </p:nvCxnSpPr>
         <p:spPr>
-          <a:xfrm rot="16200000" flipH="1">
-            <a:off x="2529445" y="2227899"/>
-            <a:ext cx="223536" cy="3106"/>
+          <a:xfrm>
+            <a:off x="1472894" y="896573"/>
+            <a:ext cx="0" cy="1723059"/>
           </a:xfrm>
-          <a:prstGeom prst="bentConnector3">
-            <a:avLst>
-              <a:gd name="adj1" fmla="val 50000"/>
-            </a:avLst>
+          <a:prstGeom prst="line">
+            <a:avLst/>
           </a:prstGeom>
           <a:ln w="19050">
             <a:solidFill>
               <a:srgbClr val="00B050"/>
             </a:solidFill>
-            <a:headEnd type="none" w="med" len="med"/>
-            <a:tailEnd type="arrow" w="med" len="med"/>
+            <a:prstDash val="sysDash"/>
           </a:ln>
           <a:effectLst/>
         </p:spPr>
         <p:style>
           <a:lnRef idx="1">
-            <a:schemeClr val="accent2"/>
+            <a:schemeClr val="accent1"/>
           </a:lnRef>
           <a:fillRef idx="2">
-            <a:schemeClr val="accent2"/>
+            <a:schemeClr val="accent1"/>
           </a:fillRef>
           <a:effectRef idx="1">
-            <a:schemeClr val="accent2"/>
+            <a:schemeClr val="accent1"/>
           </a:effectRef>
           <a:fontRef idx="minor">
             <a:schemeClr val="dk1"/>
@@ -3728,1203 +3846,20 @@
       </p:cxnSp>
       <p:sp>
         <p:nvSpPr>
-          <p:cNvPr id="16" name="Isosceles Triangle 102"/>
+          <p:cNvPr id="65" name="Rectangle 64">
+            <a:extLst>
+              <a:ext uri="{FF2B5EF4-FFF2-40B4-BE49-F238E27FC236}">
+                <a16:creationId xmlns:a16="http://schemas.microsoft.com/office/drawing/2014/main" id="{100523C9-CA82-434B-AC40-1690207C08A1}"/>
+              </a:ext>
+            </a:extLst>
+          </p:cNvPr>
           <p:cNvSpPr/>
           <p:nvPr/>
         </p:nvSpPr>
         <p:spPr>
-          <a:xfrm rot="10800000" flipV="1">
-            <a:off x="5394717" y="2110477"/>
-            <a:ext cx="270504" cy="175523"/>
-          </a:xfrm>
-          <a:prstGeom prst="triangle">
-            <a:avLst/>
-          </a:prstGeom>
-          <a:ln w="6350">
-            <a:solidFill>
-              <a:schemeClr val="accent3"/>
-            </a:solidFill>
-          </a:ln>
-          <a:effectLst/>
-        </p:spPr>
-        <p:style>
-          <a:lnRef idx="1">
-            <a:schemeClr val="accent3"/>
-          </a:lnRef>
-          <a:fillRef idx="2">
-            <a:schemeClr val="accent3"/>
-          </a:fillRef>
-          <a:effectRef idx="1">
-            <a:schemeClr val="accent3"/>
-          </a:effectRef>
-          <a:fontRef idx="minor">
-            <a:schemeClr val="dk1"/>
-          </a:fontRef>
-        </p:style>
-        <p:txBody>
-          <a:bodyPr rtlCol="0" anchor="ctr"/>
-          <a:lstStyle/>
-          <a:p>
-            <a:pPr algn="ctr"/>
-            <a:endParaRPr lang="en-SG" sz="1050" b="1">
-              <a:solidFill>
-                <a:srgbClr val="92D050"/>
-              </a:solidFill>
-            </a:endParaRPr>
-          </a:p>
-        </p:txBody>
-      </p:sp>
-      <p:cxnSp>
-        <p:nvCxnSpPr>
-          <p:cNvPr id="19" name="Elbow Connector 122"/>
-          <p:cNvCxnSpPr/>
-          <p:nvPr/>
-        </p:nvCxnSpPr>
-        <p:spPr>
-          <a:xfrm flipV="1">
-            <a:off x="644735" y="2991937"/>
-            <a:ext cx="684904" cy="1"/>
-          </a:xfrm>
-          <a:prstGeom prst="bentConnector3">
-            <a:avLst>
-              <a:gd name="adj1" fmla="val 50000"/>
-            </a:avLst>
-          </a:prstGeom>
-          <a:ln w="19050">
-            <a:solidFill>
-              <a:schemeClr val="bg1">
-                <a:lumMod val="75000"/>
-              </a:schemeClr>
-            </a:solidFill>
-            <a:prstDash val="sysDot"/>
-            <a:headEnd type="none" w="med" len="med"/>
-            <a:tailEnd type="arrow" w="med" len="med"/>
-          </a:ln>
-          <a:effectLst/>
-        </p:spPr>
-        <p:style>
-          <a:lnRef idx="1">
-            <a:schemeClr val="accent2"/>
-          </a:lnRef>
-          <a:fillRef idx="2">
-            <a:schemeClr val="accent2"/>
-          </a:fillRef>
-          <a:effectRef idx="1">
-            <a:schemeClr val="accent2"/>
-          </a:effectRef>
-          <a:fontRef idx="minor">
-            <a:schemeClr val="dk1"/>
-          </a:fontRef>
-        </p:style>
-      </p:cxnSp>
-      <p:sp>
-        <p:nvSpPr>
-          <p:cNvPr id="22" name="Rectangle 65"/>
-          <p:cNvSpPr/>
-          <p:nvPr/>
-        </p:nvSpPr>
-        <p:spPr>
-          <a:xfrm rot="16200000">
-            <a:off x="5703829" y="2464877"/>
-            <a:ext cx="2362201" cy="328045"/>
-          </a:xfrm>
-          <a:prstGeom prst="roundRect">
-            <a:avLst/>
-          </a:prstGeom>
-          <a:solidFill>
-            <a:schemeClr val="accent1">
-              <a:lumMod val="20000"/>
-              <a:lumOff val="80000"/>
-            </a:schemeClr>
-          </a:solidFill>
-          <a:ln w="19050">
-            <a:noFill/>
-          </a:ln>
-          <a:effectLst/>
-        </p:spPr>
-        <p:style>
-          <a:lnRef idx="1">
-            <a:schemeClr val="accent2"/>
-          </a:lnRef>
-          <a:fillRef idx="2">
-            <a:schemeClr val="accent2"/>
-          </a:fillRef>
-          <a:effectRef idx="1">
-            <a:schemeClr val="accent2"/>
-          </a:effectRef>
-          <a:fontRef idx="minor">
-            <a:schemeClr val="dk1"/>
-          </a:fontRef>
-        </p:style>
-        <p:txBody>
-          <a:bodyPr rtlCol="0" anchor="ctr"/>
-          <a:lstStyle/>
-          <a:p>
-            <a:pPr algn="ctr"/>
-            <a:r>
-              <a:rPr lang="en-US" sz="1100" b="1" dirty="0">
-                <a:solidFill>
-                  <a:schemeClr val="bg1"/>
-                </a:solidFill>
-              </a:rPr>
-              <a:t>Logic</a:t>
-            </a:r>
-            <a:endParaRPr lang="en-SG" sz="1100" b="1" dirty="0">
-              <a:solidFill>
-                <a:schemeClr val="bg1"/>
-              </a:solidFill>
-            </a:endParaRPr>
-          </a:p>
-        </p:txBody>
-      </p:sp>
-      <p:sp>
-        <p:nvSpPr>
-          <p:cNvPr id="34" name="Rectangle 11"/>
-          <p:cNvSpPr/>
-          <p:nvPr/>
-        </p:nvSpPr>
-        <p:spPr>
           <a:xfrm>
-            <a:off x="2592528" y="3649359"/>
-            <a:ext cx="1093635" cy="236841"/>
-          </a:xfrm>
-          <a:prstGeom prst="rect">
-            <a:avLst/>
-          </a:prstGeom>
-          <a:ln w="19050">
-            <a:solidFill>
-              <a:schemeClr val="accent3"/>
-            </a:solidFill>
-          </a:ln>
-          <a:effectLst/>
-        </p:spPr>
-        <p:style>
-          <a:lnRef idx="1">
-            <a:schemeClr val="accent3"/>
-          </a:lnRef>
-          <a:fillRef idx="2">
-            <a:schemeClr val="accent3"/>
-          </a:fillRef>
-          <a:effectRef idx="1">
-            <a:schemeClr val="accent3"/>
-          </a:effectRef>
-          <a:fontRef idx="minor">
-            <a:schemeClr val="dk1"/>
-          </a:fontRef>
-        </p:style>
-        <p:txBody>
-          <a:bodyPr rtlCol="0" anchor="ctr"/>
-          <a:lstStyle/>
-          <a:p>
-            <a:pPr algn="ctr"/>
-            <a:r>
-              <a:rPr lang="en-US" sz="1050" b="1" dirty="0" err="1">
-                <a:solidFill>
-                  <a:schemeClr val="accent3">
-                    <a:lumMod val="75000"/>
-                  </a:schemeClr>
-                </a:solidFill>
-              </a:rPr>
-              <a:t>BrowserPanel</a:t>
-            </a:r>
-            <a:endParaRPr lang="en-SG" sz="1050" b="1" dirty="0">
-              <a:solidFill>
-                <a:schemeClr val="accent3">
-                  <a:lumMod val="75000"/>
-                </a:schemeClr>
-              </a:solidFill>
-            </a:endParaRPr>
-          </a:p>
-        </p:txBody>
-      </p:sp>
-      <p:sp>
-        <p:nvSpPr>
-          <p:cNvPr id="35" name="Rectangle 11"/>
-          <p:cNvSpPr/>
-          <p:nvPr/>
-        </p:nvSpPr>
-        <p:spPr>
-          <a:xfrm>
-            <a:off x="2592527" y="4563759"/>
-            <a:ext cx="1093635" cy="236841"/>
-          </a:xfrm>
-          <a:prstGeom prst="rect">
-            <a:avLst/>
-          </a:prstGeom>
-          <a:ln w="19050">
-            <a:solidFill>
-              <a:schemeClr val="accent3"/>
-            </a:solidFill>
-          </a:ln>
-          <a:effectLst/>
-        </p:spPr>
-        <p:style>
-          <a:lnRef idx="1">
-            <a:schemeClr val="accent3"/>
-          </a:lnRef>
-          <a:fillRef idx="2">
-            <a:schemeClr val="accent3"/>
-          </a:fillRef>
-          <a:effectRef idx="1">
-            <a:schemeClr val="accent3"/>
-          </a:effectRef>
-          <a:fontRef idx="minor">
-            <a:schemeClr val="dk1"/>
-          </a:fontRef>
-        </p:style>
-        <p:txBody>
-          <a:bodyPr rtlCol="0" anchor="ctr"/>
-          <a:lstStyle/>
-          <a:p>
-            <a:pPr algn="ctr"/>
-            <a:r>
-              <a:rPr lang="en-US" sz="1050" b="1" dirty="0" err="1">
-                <a:solidFill>
-                  <a:schemeClr val="accent3">
-                    <a:lumMod val="75000"/>
-                  </a:schemeClr>
-                </a:solidFill>
-              </a:rPr>
-              <a:t>StatusBarFooter</a:t>
-            </a:r>
-            <a:endParaRPr lang="en-SG" sz="1050" b="1" dirty="0">
-              <a:solidFill>
-                <a:schemeClr val="accent3">
-                  <a:lumMod val="75000"/>
-                </a:schemeClr>
-              </a:solidFill>
-            </a:endParaRPr>
-          </a:p>
-        </p:txBody>
-      </p:sp>
-      <p:sp>
-        <p:nvSpPr>
-          <p:cNvPr id="36" name="Rectangle 11"/>
-          <p:cNvSpPr/>
-          <p:nvPr/>
-        </p:nvSpPr>
-        <p:spPr>
-          <a:xfrm>
-            <a:off x="2592526" y="3991960"/>
-            <a:ext cx="1093635" cy="236841"/>
-          </a:xfrm>
-          <a:prstGeom prst="rect">
-            <a:avLst/>
-          </a:prstGeom>
-          <a:ln w="19050">
-            <a:solidFill>
-              <a:schemeClr val="accent3"/>
-            </a:solidFill>
-          </a:ln>
-          <a:effectLst/>
-        </p:spPr>
-        <p:style>
-          <a:lnRef idx="1">
-            <a:schemeClr val="accent3"/>
-          </a:lnRef>
-          <a:fillRef idx="2">
-            <a:schemeClr val="accent3"/>
-          </a:fillRef>
-          <a:effectRef idx="1">
-            <a:schemeClr val="accent3"/>
-          </a:effectRef>
-          <a:fontRef idx="minor">
-            <a:schemeClr val="dk1"/>
-          </a:fontRef>
-        </p:style>
-        <p:txBody>
-          <a:bodyPr rtlCol="0" anchor="ctr"/>
-          <a:lstStyle/>
-          <a:p>
-            <a:pPr algn="ctr"/>
-            <a:r>
-              <a:rPr lang="en-US" sz="1050" b="1" dirty="0" err="1">
-                <a:solidFill>
-                  <a:schemeClr val="accent3">
-                    <a:lumMod val="75000"/>
-                  </a:schemeClr>
-                </a:solidFill>
-              </a:rPr>
-              <a:t>PersonListPanel</a:t>
-            </a:r>
-            <a:endParaRPr lang="en-SG" sz="1050" b="1" dirty="0">
-              <a:solidFill>
-                <a:schemeClr val="accent3">
-                  <a:lumMod val="75000"/>
-                </a:schemeClr>
-              </a:solidFill>
-            </a:endParaRPr>
-          </a:p>
-        </p:txBody>
-      </p:sp>
-      <p:sp>
-        <p:nvSpPr>
-          <p:cNvPr id="37" name="Rectangle 11"/>
-          <p:cNvSpPr/>
-          <p:nvPr/>
-        </p:nvSpPr>
-        <p:spPr>
-          <a:xfrm>
-            <a:off x="3839323" y="4228801"/>
-            <a:ext cx="1040906" cy="236841"/>
-          </a:xfrm>
-          <a:prstGeom prst="rect">
-            <a:avLst/>
-          </a:prstGeom>
-          <a:ln w="19050">
-            <a:solidFill>
-              <a:schemeClr val="accent3"/>
-            </a:solidFill>
-          </a:ln>
-          <a:effectLst/>
-        </p:spPr>
-        <p:style>
-          <a:lnRef idx="1">
-            <a:schemeClr val="accent3"/>
-          </a:lnRef>
-          <a:fillRef idx="2">
-            <a:schemeClr val="accent3"/>
-          </a:fillRef>
-          <a:effectRef idx="1">
-            <a:schemeClr val="accent3"/>
-          </a:effectRef>
-          <a:fontRef idx="minor">
-            <a:schemeClr val="dk1"/>
-          </a:fontRef>
-        </p:style>
-        <p:txBody>
-          <a:bodyPr rtlCol="0" anchor="ctr"/>
-          <a:lstStyle/>
-          <a:p>
-            <a:pPr algn="ctr"/>
-            <a:r>
-              <a:rPr lang="en-US" sz="1050" b="1" dirty="0" err="1">
-                <a:solidFill>
-                  <a:schemeClr val="accent3">
-                    <a:lumMod val="75000"/>
-                  </a:schemeClr>
-                </a:solidFill>
-              </a:rPr>
-              <a:t>PersonCard</a:t>
-            </a:r>
-            <a:endParaRPr lang="en-SG" sz="1050" b="1" dirty="0">
-              <a:solidFill>
-                <a:schemeClr val="accent3">
-                  <a:lumMod val="75000"/>
-                </a:schemeClr>
-              </a:solidFill>
-            </a:endParaRPr>
-          </a:p>
-        </p:txBody>
-      </p:sp>
-      <p:sp>
-        <p:nvSpPr>
-          <p:cNvPr id="38" name="Rectangle 11"/>
-          <p:cNvSpPr/>
-          <p:nvPr/>
-        </p:nvSpPr>
-        <p:spPr>
-          <a:xfrm>
-            <a:off x="2592528" y="4966000"/>
-            <a:ext cx="1093635" cy="236841"/>
-          </a:xfrm>
-          <a:prstGeom prst="rect">
-            <a:avLst/>
-          </a:prstGeom>
-          <a:ln w="19050">
-            <a:solidFill>
-              <a:schemeClr val="accent3"/>
-            </a:solidFill>
-          </a:ln>
-          <a:effectLst/>
-        </p:spPr>
-        <p:style>
-          <a:lnRef idx="1">
-            <a:schemeClr val="accent3"/>
-          </a:lnRef>
-          <a:fillRef idx="2">
-            <a:schemeClr val="accent3"/>
-          </a:fillRef>
-          <a:effectRef idx="1">
-            <a:schemeClr val="accent3"/>
-          </a:effectRef>
-          <a:fontRef idx="minor">
-            <a:schemeClr val="dk1"/>
-          </a:fontRef>
-        </p:style>
-        <p:txBody>
-          <a:bodyPr rtlCol="0" anchor="ctr"/>
-          <a:lstStyle/>
-          <a:p>
-            <a:pPr algn="ctr"/>
-            <a:r>
-              <a:rPr lang="en-US" sz="1050" b="1" dirty="0" err="1">
-                <a:solidFill>
-                  <a:schemeClr val="accent3">
-                    <a:lumMod val="75000"/>
-                  </a:schemeClr>
-                </a:solidFill>
-              </a:rPr>
-              <a:t>HelpWindow</a:t>
-            </a:r>
-            <a:endParaRPr lang="en-SG" sz="1050" b="1" dirty="0">
-              <a:solidFill>
-                <a:schemeClr val="accent3">
-                  <a:lumMod val="75000"/>
-                </a:schemeClr>
-              </a:solidFill>
-            </a:endParaRPr>
-          </a:p>
-        </p:txBody>
-      </p:sp>
-      <p:sp>
-        <p:nvSpPr>
-          <p:cNvPr id="39" name="Flowchart: Decision 38"/>
-          <p:cNvSpPr/>
-          <p:nvPr/>
-        </p:nvSpPr>
-        <p:spPr>
-          <a:xfrm>
-            <a:off x="2324548" y="2706452"/>
-            <a:ext cx="183156" cy="161573"/>
-          </a:xfrm>
-          <a:prstGeom prst="flowChartDecision">
-            <a:avLst/>
-          </a:prstGeom>
-          <a:solidFill>
-            <a:schemeClr val="accent3"/>
-          </a:solidFill>
-          <a:ln>
-            <a:solidFill>
-              <a:schemeClr val="accent3"/>
-            </a:solidFill>
-          </a:ln>
-        </p:spPr>
-        <p:style>
-          <a:lnRef idx="2">
-            <a:schemeClr val="accent1">
-              <a:shade val="50000"/>
-            </a:schemeClr>
-          </a:lnRef>
-          <a:fillRef idx="1">
-            <a:schemeClr val="accent1"/>
-          </a:fillRef>
-          <a:effectRef idx="0">
-            <a:schemeClr val="accent1"/>
-          </a:effectRef>
-          <a:fontRef idx="minor">
-            <a:schemeClr val="lt1"/>
-          </a:fontRef>
-        </p:style>
-        <p:txBody>
-          <a:bodyPr rtlCol="0" anchor="ctr"/>
-          <a:lstStyle/>
-          <a:p>
-            <a:pPr algn="ctr"/>
-            <a:endParaRPr lang="en-SG"/>
-          </a:p>
-        </p:txBody>
-      </p:sp>
-      <p:cxnSp>
-        <p:nvCxnSpPr>
-          <p:cNvPr id="40" name="Elbow Connector 63"/>
-          <p:cNvCxnSpPr>
-            <a:stCxn id="39" idx="2"/>
-            <a:endCxn id="3" idx="1"/>
-          </p:cNvCxnSpPr>
-          <p:nvPr/>
-        </p:nvCxnSpPr>
-        <p:spPr>
-          <a:xfrm rot="16200000" flipH="1">
-            <a:off x="2393229" y="2890922"/>
-            <a:ext cx="222196" cy="176402"/>
-          </a:xfrm>
-          <a:prstGeom prst="bentConnector2">
-            <a:avLst/>
-          </a:prstGeom>
-          <a:ln w="19050">
-            <a:solidFill>
-              <a:schemeClr val="accent3"/>
-            </a:solidFill>
-            <a:headEnd type="none" w="med" len="med"/>
-            <a:tailEnd type="arrow" w="med" len="med"/>
-          </a:ln>
-          <a:effectLst/>
-        </p:spPr>
-        <p:style>
-          <a:lnRef idx="1">
-            <a:schemeClr val="accent2"/>
-          </a:lnRef>
-          <a:fillRef idx="2">
-            <a:schemeClr val="accent2"/>
-          </a:fillRef>
-          <a:effectRef idx="1">
-            <a:schemeClr val="accent2"/>
-          </a:effectRef>
-          <a:fontRef idx="minor">
-            <a:schemeClr val="dk1"/>
-          </a:fontRef>
-        </p:style>
-      </p:cxnSp>
-      <p:sp>
-        <p:nvSpPr>
-          <p:cNvPr id="43" name="Rectangle 11"/>
-          <p:cNvSpPr/>
-          <p:nvPr/>
-        </p:nvSpPr>
-        <p:spPr>
-          <a:xfrm>
-            <a:off x="2590799" y="3304308"/>
-            <a:ext cx="1095361" cy="236841"/>
-          </a:xfrm>
-          <a:prstGeom prst="rect">
-            <a:avLst/>
-          </a:prstGeom>
-          <a:ln w="19050">
-            <a:solidFill>
-              <a:schemeClr val="accent3"/>
-            </a:solidFill>
-          </a:ln>
-          <a:effectLst/>
-        </p:spPr>
-        <p:style>
-          <a:lnRef idx="1">
-            <a:schemeClr val="accent3"/>
-          </a:lnRef>
-          <a:fillRef idx="2">
-            <a:schemeClr val="accent3"/>
-          </a:fillRef>
-          <a:effectRef idx="1">
-            <a:schemeClr val="accent3"/>
-          </a:effectRef>
-          <a:fontRef idx="minor">
-            <a:schemeClr val="dk1"/>
-          </a:fontRef>
-        </p:style>
-        <p:txBody>
-          <a:bodyPr rtlCol="0" anchor="ctr"/>
-          <a:lstStyle/>
-          <a:p>
-            <a:pPr algn="ctr"/>
-            <a:r>
-              <a:rPr lang="en-US" sz="1050" b="1" dirty="0" err="1">
-                <a:solidFill>
-                  <a:schemeClr val="accent3">
-                    <a:lumMod val="75000"/>
-                  </a:schemeClr>
-                </a:solidFill>
-              </a:rPr>
-              <a:t>ResultDisplay</a:t>
-            </a:r>
-            <a:endParaRPr lang="en-SG" sz="1050" b="1" dirty="0">
-              <a:solidFill>
-                <a:schemeClr val="accent3">
-                  <a:lumMod val="75000"/>
-                </a:schemeClr>
-              </a:solidFill>
-            </a:endParaRPr>
-          </a:p>
-        </p:txBody>
-      </p:sp>
-      <p:cxnSp>
-        <p:nvCxnSpPr>
-          <p:cNvPr id="44" name="Elbow Connector 63"/>
-          <p:cNvCxnSpPr>
-            <a:stCxn id="39" idx="2"/>
-            <a:endCxn id="34" idx="1"/>
-          </p:cNvCxnSpPr>
-          <p:nvPr/>
-        </p:nvCxnSpPr>
-        <p:spPr>
-          <a:xfrm rot="16200000" flipH="1">
-            <a:off x="2054450" y="3229701"/>
-            <a:ext cx="899755" cy="176402"/>
-          </a:xfrm>
-          <a:prstGeom prst="bentConnector2">
-            <a:avLst/>
-          </a:prstGeom>
-          <a:ln w="19050">
-            <a:solidFill>
-              <a:schemeClr val="accent3"/>
-            </a:solidFill>
-            <a:headEnd type="none" w="med" len="med"/>
-            <a:tailEnd type="arrow" w="med" len="med"/>
-          </a:ln>
-          <a:effectLst/>
-        </p:spPr>
-        <p:style>
-          <a:lnRef idx="1">
-            <a:schemeClr val="accent2"/>
-          </a:lnRef>
-          <a:fillRef idx="2">
-            <a:schemeClr val="accent2"/>
-          </a:fillRef>
-          <a:effectRef idx="1">
-            <a:schemeClr val="accent2"/>
-          </a:effectRef>
-          <a:fontRef idx="minor">
-            <a:schemeClr val="dk1"/>
-          </a:fontRef>
-        </p:style>
-      </p:cxnSp>
-      <p:cxnSp>
-        <p:nvCxnSpPr>
-          <p:cNvPr id="47" name="Elbow Connector 63"/>
-          <p:cNvCxnSpPr>
-            <a:stCxn id="39" idx="2"/>
-            <a:endCxn id="36" idx="1"/>
-          </p:cNvCxnSpPr>
-          <p:nvPr/>
-        </p:nvCxnSpPr>
-        <p:spPr>
-          <a:xfrm rot="16200000" flipH="1">
-            <a:off x="1883148" y="3401003"/>
-            <a:ext cx="1242356" cy="176400"/>
-          </a:xfrm>
-          <a:prstGeom prst="bentConnector2">
-            <a:avLst/>
-          </a:prstGeom>
-          <a:ln w="19050">
-            <a:solidFill>
-              <a:schemeClr val="accent3"/>
-            </a:solidFill>
-            <a:headEnd type="none" w="med" len="med"/>
-            <a:tailEnd type="arrow" w="med" len="med"/>
-          </a:ln>
-          <a:effectLst/>
-        </p:spPr>
-        <p:style>
-          <a:lnRef idx="1">
-            <a:schemeClr val="accent2"/>
-          </a:lnRef>
-          <a:fillRef idx="2">
-            <a:schemeClr val="accent2"/>
-          </a:fillRef>
-          <a:effectRef idx="1">
-            <a:schemeClr val="accent2"/>
-          </a:effectRef>
-          <a:fontRef idx="minor">
-            <a:schemeClr val="dk1"/>
-          </a:fontRef>
-        </p:style>
-      </p:cxnSp>
-      <p:cxnSp>
-        <p:nvCxnSpPr>
-          <p:cNvPr id="50" name="Elbow Connector 63"/>
-          <p:cNvCxnSpPr>
-            <a:stCxn id="39" idx="2"/>
-            <a:endCxn id="35" idx="1"/>
-          </p:cNvCxnSpPr>
-          <p:nvPr/>
-        </p:nvCxnSpPr>
-        <p:spPr>
-          <a:xfrm rot="16200000" flipH="1">
-            <a:off x="1597249" y="3686901"/>
-            <a:ext cx="1814155" cy="176401"/>
-          </a:xfrm>
-          <a:prstGeom prst="bentConnector2">
-            <a:avLst/>
-          </a:prstGeom>
-          <a:ln w="19050">
-            <a:solidFill>
-              <a:schemeClr val="accent3"/>
-            </a:solidFill>
-            <a:headEnd type="none" w="med" len="med"/>
-            <a:tailEnd type="arrow" w="med" len="med"/>
-          </a:ln>
-          <a:effectLst/>
-        </p:spPr>
-        <p:style>
-          <a:lnRef idx="1">
-            <a:schemeClr val="accent2"/>
-          </a:lnRef>
-          <a:fillRef idx="2">
-            <a:schemeClr val="accent2"/>
-          </a:fillRef>
-          <a:effectRef idx="1">
-            <a:schemeClr val="accent2"/>
-          </a:effectRef>
-          <a:fontRef idx="minor">
-            <a:schemeClr val="dk1"/>
-          </a:fontRef>
-        </p:style>
-      </p:cxnSp>
-      <p:cxnSp>
-        <p:nvCxnSpPr>
-          <p:cNvPr id="53" name="Elbow Connector 63"/>
-          <p:cNvCxnSpPr>
-            <a:endCxn id="38" idx="1"/>
-          </p:cNvCxnSpPr>
-          <p:nvPr/>
-        </p:nvCxnSpPr>
-        <p:spPr>
-          <a:xfrm rot="16200000" flipH="1">
-            <a:off x="1184119" y="3676012"/>
-            <a:ext cx="2396440" cy="420377"/>
-          </a:xfrm>
-          <a:prstGeom prst="bentConnector2">
-            <a:avLst/>
-          </a:prstGeom>
-          <a:ln w="19050">
-            <a:solidFill>
-              <a:schemeClr val="accent3"/>
-            </a:solidFill>
-            <a:headEnd type="none" w="med" len="med"/>
-            <a:tailEnd type="arrow" w="med" len="med"/>
-          </a:ln>
-          <a:effectLst/>
-        </p:spPr>
-        <p:style>
-          <a:lnRef idx="1">
-            <a:schemeClr val="accent2"/>
-          </a:lnRef>
-          <a:fillRef idx="2">
-            <a:schemeClr val="accent2"/>
-          </a:fillRef>
-          <a:effectRef idx="1">
-            <a:schemeClr val="accent2"/>
-          </a:effectRef>
-          <a:fontRef idx="minor">
-            <a:schemeClr val="dk1"/>
-          </a:fontRef>
-        </p:style>
-      </p:cxnSp>
-      <p:sp>
-        <p:nvSpPr>
-          <p:cNvPr id="73" name="Rectangle 62"/>
-          <p:cNvSpPr/>
-          <p:nvPr/>
-        </p:nvSpPr>
-        <p:spPr>
-          <a:xfrm>
-            <a:off x="5143948" y="1770924"/>
-            <a:ext cx="772043" cy="346760"/>
-          </a:xfrm>
-          <a:prstGeom prst="rect">
-            <a:avLst/>
-          </a:prstGeom>
-          <a:ln w="6350">
-            <a:solidFill>
-              <a:schemeClr val="accent3"/>
-            </a:solidFill>
-          </a:ln>
-          <a:effectLst/>
-        </p:spPr>
-        <p:style>
-          <a:lnRef idx="1">
-            <a:schemeClr val="accent3"/>
-          </a:lnRef>
-          <a:fillRef idx="2">
-            <a:schemeClr val="accent3"/>
-          </a:fillRef>
-          <a:effectRef idx="1">
-            <a:schemeClr val="accent3"/>
-          </a:effectRef>
-          <a:fontRef idx="minor">
-            <a:schemeClr val="dk1"/>
-          </a:fontRef>
-        </p:style>
-        <p:txBody>
-          <a:bodyPr rtlCol="0" anchor="ctr"/>
-          <a:lstStyle/>
-          <a:p>
-            <a:pPr algn="ctr"/>
-            <a:r>
-              <a:rPr lang="en-US" sz="1050" b="1" dirty="0">
-                <a:solidFill>
-                  <a:schemeClr val="accent3">
-                    <a:lumMod val="75000"/>
-                  </a:schemeClr>
-                </a:solidFill>
-              </a:rPr>
-              <a:t>{abstract}</a:t>
-            </a:r>
-            <a:br>
-              <a:rPr lang="en-US" sz="1050" b="1" dirty="0">
-                <a:solidFill>
-                  <a:schemeClr val="accent3">
-                    <a:lumMod val="75000"/>
-                  </a:schemeClr>
-                </a:solidFill>
-              </a:rPr>
-            </a:br>
-            <a:r>
-              <a:rPr lang="en-US" sz="1050" b="1" dirty="0" err="1">
-                <a:solidFill>
-                  <a:schemeClr val="accent3">
-                    <a:lumMod val="75000"/>
-                  </a:schemeClr>
-                </a:solidFill>
-              </a:rPr>
-              <a:t>UiPart</a:t>
-            </a:r>
-            <a:endParaRPr lang="en-SG" sz="1050" b="1" dirty="0">
-              <a:solidFill>
-                <a:schemeClr val="accent3">
-                  <a:lumMod val="75000"/>
-                </a:schemeClr>
-              </a:solidFill>
-            </a:endParaRPr>
-          </a:p>
-        </p:txBody>
-      </p:sp>
-      <p:cxnSp>
-        <p:nvCxnSpPr>
-          <p:cNvPr id="74" name="Elbow Connector 63"/>
-          <p:cNvCxnSpPr>
-            <a:stCxn id="43" idx="3"/>
-            <a:endCxn id="16" idx="3"/>
-          </p:cNvCxnSpPr>
-          <p:nvPr/>
-        </p:nvCxnSpPr>
-        <p:spPr>
-          <a:xfrm flipV="1">
-            <a:off x="3686160" y="2286000"/>
-            <a:ext cx="1843809" cy="1136729"/>
-          </a:xfrm>
-          <a:prstGeom prst="bentConnector2">
-            <a:avLst/>
-          </a:prstGeom>
-          <a:ln w="6350">
-            <a:solidFill>
-              <a:schemeClr val="accent3"/>
-            </a:solidFill>
-            <a:headEnd type="none" w="med" len="med"/>
-            <a:tailEnd type="none" w="med" len="med"/>
-          </a:ln>
-          <a:effectLst/>
-        </p:spPr>
-        <p:style>
-          <a:lnRef idx="1">
-            <a:schemeClr val="accent2"/>
-          </a:lnRef>
-          <a:fillRef idx="2">
-            <a:schemeClr val="accent2"/>
-          </a:fillRef>
-          <a:effectRef idx="1">
-            <a:schemeClr val="accent2"/>
-          </a:effectRef>
-          <a:fontRef idx="minor">
-            <a:schemeClr val="dk1"/>
-          </a:fontRef>
-        </p:style>
-      </p:cxnSp>
-      <p:cxnSp>
-        <p:nvCxnSpPr>
-          <p:cNvPr id="77" name="Elbow Connector 63"/>
-          <p:cNvCxnSpPr>
-            <a:stCxn id="16" idx="3"/>
-            <a:endCxn id="37" idx="3"/>
-          </p:cNvCxnSpPr>
-          <p:nvPr/>
-        </p:nvCxnSpPr>
-        <p:spPr>
-          <a:xfrm rot="5400000">
-            <a:off x="4174488" y="2991741"/>
-            <a:ext cx="2061222" cy="649740"/>
-          </a:xfrm>
-          <a:prstGeom prst="bentConnector2">
-            <a:avLst/>
-          </a:prstGeom>
-          <a:ln w="6350">
-            <a:solidFill>
-              <a:schemeClr val="accent3"/>
-            </a:solidFill>
-            <a:headEnd type="none" w="med" len="med"/>
-            <a:tailEnd type="none" w="med" len="med"/>
-          </a:ln>
-          <a:effectLst/>
-        </p:spPr>
-        <p:style>
-          <a:lnRef idx="1">
-            <a:schemeClr val="accent2"/>
-          </a:lnRef>
-          <a:fillRef idx="2">
-            <a:schemeClr val="accent2"/>
-          </a:fillRef>
-          <a:effectRef idx="1">
-            <a:schemeClr val="accent2"/>
-          </a:effectRef>
-          <a:fontRef idx="minor">
-            <a:schemeClr val="dk1"/>
-          </a:fontRef>
-        </p:style>
-      </p:cxnSp>
-      <p:cxnSp>
-        <p:nvCxnSpPr>
-          <p:cNvPr id="82" name="Elbow Connector 63"/>
-          <p:cNvCxnSpPr>
-            <a:stCxn id="16" idx="3"/>
-            <a:endCxn id="34" idx="3"/>
-          </p:cNvCxnSpPr>
-          <p:nvPr/>
-        </p:nvCxnSpPr>
-        <p:spPr>
-          <a:xfrm rot="5400000">
-            <a:off x="3867176" y="2104987"/>
-            <a:ext cx="1481780" cy="1843806"/>
-          </a:xfrm>
-          <a:prstGeom prst="bentConnector2">
-            <a:avLst/>
-          </a:prstGeom>
-          <a:ln w="6350">
-            <a:solidFill>
-              <a:schemeClr val="accent3"/>
-            </a:solidFill>
-            <a:headEnd type="none" w="med" len="med"/>
-            <a:tailEnd type="none" w="med" len="med"/>
-          </a:ln>
-          <a:effectLst/>
-        </p:spPr>
-        <p:style>
-          <a:lnRef idx="1">
-            <a:schemeClr val="accent2"/>
-          </a:lnRef>
-          <a:fillRef idx="2">
-            <a:schemeClr val="accent2"/>
-          </a:fillRef>
-          <a:effectRef idx="1">
-            <a:schemeClr val="accent2"/>
-          </a:effectRef>
-          <a:fontRef idx="minor">
-            <a:schemeClr val="dk1"/>
-          </a:fontRef>
-        </p:style>
-      </p:cxnSp>
-      <p:cxnSp>
-        <p:nvCxnSpPr>
-          <p:cNvPr id="88" name="Elbow Connector 63"/>
-          <p:cNvCxnSpPr>
-            <a:stCxn id="2" idx="3"/>
-            <a:endCxn id="16" idx="3"/>
-          </p:cNvCxnSpPr>
-          <p:nvPr/>
-        </p:nvCxnSpPr>
-        <p:spPr>
-          <a:xfrm flipV="1">
-            <a:off x="3189583" y="2286000"/>
-            <a:ext cx="2340386" cy="228600"/>
-          </a:xfrm>
-          <a:prstGeom prst="bentConnector2">
-            <a:avLst/>
-          </a:prstGeom>
-          <a:ln w="6350">
-            <a:solidFill>
-              <a:schemeClr val="accent3"/>
-            </a:solidFill>
-            <a:headEnd type="none" w="med" len="med"/>
-            <a:tailEnd type="none" w="med" len="med"/>
-          </a:ln>
-          <a:effectLst/>
-        </p:spPr>
-        <p:style>
-          <a:lnRef idx="1">
-            <a:schemeClr val="accent2"/>
-          </a:lnRef>
-          <a:fillRef idx="2">
-            <a:schemeClr val="accent2"/>
-          </a:fillRef>
-          <a:effectRef idx="1">
-            <a:schemeClr val="accent2"/>
-          </a:effectRef>
-          <a:fontRef idx="minor">
-            <a:schemeClr val="dk1"/>
-          </a:fontRef>
-        </p:style>
-      </p:cxnSp>
-      <p:cxnSp>
-        <p:nvCxnSpPr>
-          <p:cNvPr id="91" name="Elbow Connector 63"/>
-          <p:cNvCxnSpPr>
-            <a:stCxn id="16" idx="3"/>
-            <a:endCxn id="35" idx="3"/>
-          </p:cNvCxnSpPr>
-          <p:nvPr/>
-        </p:nvCxnSpPr>
-        <p:spPr>
-          <a:xfrm rot="5400000">
-            <a:off x="3409976" y="2562187"/>
-            <a:ext cx="2396180" cy="1843807"/>
-          </a:xfrm>
-          <a:prstGeom prst="bentConnector2">
-            <a:avLst/>
-          </a:prstGeom>
-          <a:ln w="6350">
-            <a:solidFill>
-              <a:schemeClr val="accent3"/>
-            </a:solidFill>
-            <a:headEnd type="none" w="med" len="med"/>
-            <a:tailEnd type="none" w="med" len="med"/>
-          </a:ln>
-          <a:effectLst/>
-        </p:spPr>
-        <p:style>
-          <a:lnRef idx="1">
-            <a:schemeClr val="accent2"/>
-          </a:lnRef>
-          <a:fillRef idx="2">
-            <a:schemeClr val="accent2"/>
-          </a:fillRef>
-          <a:effectRef idx="1">
-            <a:schemeClr val="accent2"/>
-          </a:effectRef>
-          <a:fontRef idx="minor">
-            <a:schemeClr val="dk1"/>
-          </a:fontRef>
-        </p:style>
-      </p:cxnSp>
-      <p:cxnSp>
-        <p:nvCxnSpPr>
-          <p:cNvPr id="94" name="Elbow Connector 63"/>
-          <p:cNvCxnSpPr>
-            <a:stCxn id="16" idx="3"/>
-            <a:endCxn id="38" idx="3"/>
-          </p:cNvCxnSpPr>
-          <p:nvPr/>
-        </p:nvCxnSpPr>
-        <p:spPr>
-          <a:xfrm rot="5400000">
-            <a:off x="3208856" y="2763307"/>
-            <a:ext cx="2798421" cy="1843806"/>
-          </a:xfrm>
-          <a:prstGeom prst="bentConnector2">
-            <a:avLst/>
-          </a:prstGeom>
-          <a:ln w="6350">
-            <a:solidFill>
-              <a:schemeClr val="accent3"/>
-            </a:solidFill>
-            <a:headEnd type="none" w="med" len="med"/>
-            <a:tailEnd type="none" w="med" len="med"/>
-          </a:ln>
-          <a:effectLst/>
-        </p:spPr>
-        <p:style>
-          <a:lnRef idx="1">
-            <a:schemeClr val="accent2"/>
-          </a:lnRef>
-          <a:fillRef idx="2">
-            <a:schemeClr val="accent2"/>
-          </a:fillRef>
-          <a:effectRef idx="1">
-            <a:schemeClr val="accent2"/>
-          </a:effectRef>
-          <a:fontRef idx="minor">
-            <a:schemeClr val="dk1"/>
-          </a:fontRef>
-        </p:style>
-      </p:cxnSp>
-      <p:cxnSp>
-        <p:nvCxnSpPr>
-          <p:cNvPr id="107" name="Elbow Connector 106"/>
-          <p:cNvCxnSpPr>
-            <a:stCxn id="9" idx="0"/>
-          </p:cNvCxnSpPr>
-          <p:nvPr/>
-        </p:nvCxnSpPr>
-        <p:spPr>
-          <a:xfrm rot="5400000" flipH="1" flipV="1">
-            <a:off x="4594921" y="-355061"/>
-            <a:ext cx="170724" cy="4081246"/>
-          </a:xfrm>
-          <a:prstGeom prst="bentConnector2">
-            <a:avLst/>
-          </a:prstGeom>
-          <a:ln w="19050">
-            <a:solidFill>
-              <a:srgbClr val="00B050"/>
-            </a:solidFill>
-            <a:prstDash val="solid"/>
-            <a:headEnd type="none" w="med" len="med"/>
-            <a:tailEnd type="arrow" w="med" len="med"/>
-          </a:ln>
-          <a:effectLst/>
-        </p:spPr>
-        <p:style>
-          <a:lnRef idx="1">
-            <a:schemeClr val="accent2"/>
-          </a:lnRef>
-          <a:fillRef idx="2">
-            <a:schemeClr val="accent2"/>
-          </a:fillRef>
-          <a:effectRef idx="1">
-            <a:schemeClr val="accent2"/>
-          </a:effectRef>
-          <a:fontRef idx="minor">
-            <a:schemeClr val="dk1"/>
-          </a:fontRef>
-        </p:style>
-      </p:cxnSp>
-      <p:sp>
-        <p:nvSpPr>
-          <p:cNvPr id="117" name="Rectangle 65"/>
-          <p:cNvSpPr/>
-          <p:nvPr/>
-        </p:nvSpPr>
-        <p:spPr>
-          <a:xfrm rot="16200000">
-            <a:off x="6213739" y="4560376"/>
-            <a:ext cx="1371599" cy="328045"/>
-          </a:xfrm>
-          <a:prstGeom prst="roundRect">
-            <a:avLst/>
-          </a:prstGeom>
-          <a:solidFill>
-            <a:schemeClr val="accent4">
-              <a:lumMod val="20000"/>
-              <a:lumOff val="80000"/>
-            </a:schemeClr>
-          </a:solidFill>
-          <a:ln w="19050">
-            <a:noFill/>
-          </a:ln>
-          <a:effectLst/>
-        </p:spPr>
-        <p:style>
-          <a:lnRef idx="1">
-            <a:schemeClr val="accent2"/>
-          </a:lnRef>
-          <a:fillRef idx="2">
-            <a:schemeClr val="accent2"/>
-          </a:fillRef>
-          <a:effectRef idx="1">
-            <a:schemeClr val="accent2"/>
-          </a:effectRef>
-          <a:fontRef idx="minor">
-            <a:schemeClr val="dk1"/>
-          </a:fontRef>
-        </p:style>
-        <p:txBody>
-          <a:bodyPr rtlCol="0" anchor="ctr"/>
-          <a:lstStyle/>
-          <a:p>
-            <a:pPr algn="ctr"/>
-            <a:r>
-              <a:rPr lang="en-US" sz="1100" b="1" dirty="0">
-                <a:solidFill>
-                  <a:schemeClr val="bg1"/>
-                </a:solidFill>
-              </a:rPr>
-              <a:t>Model</a:t>
-            </a:r>
-            <a:endParaRPr lang="en-SG" sz="1100" b="1" dirty="0">
-              <a:solidFill>
-                <a:schemeClr val="bg1"/>
-              </a:solidFill>
-            </a:endParaRPr>
-          </a:p>
-        </p:txBody>
-      </p:sp>
-      <p:sp>
-        <p:nvSpPr>
-          <p:cNvPr id="119" name="Rectangle 62"/>
-          <p:cNvSpPr/>
-          <p:nvPr/>
-        </p:nvSpPr>
-        <p:spPr>
-          <a:xfrm rot="16200000">
-            <a:off x="956202" y="2861202"/>
-            <a:ext cx="1093635" cy="346760"/>
+            <a:off x="1400886" y="1247268"/>
+            <a:ext cx="152400" cy="1019910"/>
           </a:xfrm>
           <a:prstGeom prst="rect">
             <a:avLst/>
@@ -4932,74 +3867,7 @@
           <a:solidFill>
             <a:srgbClr val="00B050"/>
           </a:solidFill>
-          <a:ln w="19050">
-            <a:solidFill>
-              <a:srgbClr val="00B050"/>
-            </a:solidFill>
-          </a:ln>
-          <a:effectLst/>
-        </p:spPr>
-        <p:style>
-          <a:lnRef idx="1">
-            <a:schemeClr val="accent2"/>
-          </a:lnRef>
-          <a:fillRef idx="2">
-            <a:schemeClr val="accent2"/>
-          </a:fillRef>
-          <a:effectRef idx="1">
-            <a:schemeClr val="accent2"/>
-          </a:effectRef>
-          <a:fontRef idx="minor">
-            <a:schemeClr val="dk1"/>
-          </a:fontRef>
-        </p:style>
-        <p:txBody>
-          <a:bodyPr rtlCol="0" anchor="ctr"/>
-          <a:lstStyle/>
-          <a:p>
-            <a:pPr algn="ctr"/>
-            <a:r>
-              <a:rPr lang="en-US" sz="1050" dirty="0">
-                <a:solidFill>
-                  <a:schemeClr val="bg1"/>
-                </a:solidFill>
-              </a:rPr>
-              <a:t>&lt;&lt;interface&gt;&gt;</a:t>
-            </a:r>
-          </a:p>
-          <a:p>
-            <a:pPr algn="ctr"/>
-            <a:r>
-              <a:rPr lang="en-US" sz="1050" dirty="0" err="1">
-                <a:solidFill>
-                  <a:schemeClr val="bg1"/>
-                </a:solidFill>
-              </a:rPr>
-              <a:t>Ui</a:t>
-            </a:r>
-            <a:endParaRPr lang="en-SG" sz="1050" dirty="0">
-              <a:solidFill>
-                <a:schemeClr val="bg1"/>
-              </a:solidFill>
-            </a:endParaRPr>
-          </a:p>
-        </p:txBody>
-      </p:sp>
-      <p:sp>
-        <p:nvSpPr>
-          <p:cNvPr id="120" name="Isosceles Triangle 102"/>
-          <p:cNvSpPr/>
-          <p:nvPr/>
-        </p:nvSpPr>
-        <p:spPr>
-          <a:xfrm flipV="1">
-            <a:off x="1367767" y="2286001"/>
-            <a:ext cx="270504" cy="175523"/>
-          </a:xfrm>
-          <a:prstGeom prst="triangle">
-            <a:avLst/>
-          </a:prstGeom>
-          <a:ln w="19050">
+          <a:ln>
             <a:solidFill>
               <a:srgbClr val="00B050"/>
             </a:solidFill>
@@ -5025,9 +3893,9 @@
           <a:lstStyle/>
           <a:p>
             <a:pPr algn="ctr"/>
-            <a:endParaRPr lang="en-SG" sz="1050" b="1">
+            <a:endParaRPr lang="en-SG" sz="1400">
               <a:solidFill>
-                <a:srgbClr val="92D050"/>
+                <a:schemeClr val="dk1"/>
               </a:solidFill>
             </a:endParaRPr>
           </a:p>
@@ -5035,28 +3903,252 @@
       </p:sp>
       <p:cxnSp>
         <p:nvCxnSpPr>
-          <p:cNvPr id="121" name="Elbow Connector 63"/>
+          <p:cNvPr id="68" name="Straight Arrow Connector 67">
+            <a:extLst>
+              <a:ext uri="{FF2B5EF4-FFF2-40B4-BE49-F238E27FC236}">
+                <a16:creationId xmlns:a16="http://schemas.microsoft.com/office/drawing/2014/main" id="{ED032855-8A5B-425D-95A8-99759B39EB40}"/>
+              </a:ext>
+            </a:extLst>
+          </p:cNvPr>
+          <p:cNvCxnSpPr/>
+          <p:nvPr/>
+        </p:nvCxnSpPr>
+        <p:spPr>
+          <a:xfrm>
+            <a:off x="281035" y="1250955"/>
+            <a:ext cx="1119851" cy="0"/>
+          </a:xfrm>
+          <a:prstGeom prst="straightConnector1">
+            <a:avLst/>
+          </a:prstGeom>
+          <a:ln w="19050">
+            <a:solidFill>
+              <a:schemeClr val="tx1"/>
+            </a:solidFill>
+            <a:tailEnd type="arrow"/>
+          </a:ln>
+        </p:spPr>
+        <p:style>
+          <a:lnRef idx="1">
+            <a:schemeClr val="accent1"/>
+          </a:lnRef>
+          <a:fillRef idx="0">
+            <a:schemeClr val="accent1"/>
+          </a:fillRef>
+          <a:effectRef idx="0">
+            <a:schemeClr val="accent1"/>
+          </a:effectRef>
+          <a:fontRef idx="minor">
+            <a:schemeClr val="tx1"/>
+          </a:fontRef>
+        </p:style>
+      </p:cxnSp>
+      <p:sp>
+        <p:nvSpPr>
+          <p:cNvPr id="69" name="TextBox 68">
+            <a:extLst>
+              <a:ext uri="{FF2B5EF4-FFF2-40B4-BE49-F238E27FC236}">
+                <a16:creationId xmlns:a16="http://schemas.microsoft.com/office/drawing/2014/main" id="{FA778F77-C1B8-44A4-94C0-B5C2E20AB5E8}"/>
+              </a:ext>
+            </a:extLst>
+          </p:cNvPr>
+          <p:cNvSpPr txBox="1"/>
+          <p:nvPr/>
+        </p:nvSpPr>
+        <p:spPr>
+          <a:xfrm>
+            <a:off x="281035" y="1270856"/>
+            <a:ext cx="860170" cy="215444"/>
+          </a:xfrm>
+          <a:prstGeom prst="rect">
+            <a:avLst/>
+          </a:prstGeom>
+          <a:noFill/>
+        </p:spPr>
+        <p:txBody>
+          <a:bodyPr wrap="square" lIns="0" tIns="0" rIns="0" bIns="0" rtlCol="0">
+            <a:spAutoFit/>
+          </a:bodyPr>
+          <a:lstStyle/>
+          <a:p>
+            <a:r>
+              <a:rPr lang="en-US" sz="1400" dirty="0" err="1"/>
+              <a:t>favlist</a:t>
+            </a:r>
+            <a:endParaRPr lang="en-US" sz="1400" dirty="0"/>
+          </a:p>
+        </p:txBody>
+      </p:sp>
+      <p:cxnSp>
+        <p:nvCxnSpPr>
+          <p:cNvPr id="70" name="Straight Arrow Connector 69">
+            <a:extLst>
+              <a:ext uri="{FF2B5EF4-FFF2-40B4-BE49-F238E27FC236}">
+                <a16:creationId xmlns:a16="http://schemas.microsoft.com/office/drawing/2014/main" id="{FEA8D363-E8A7-45CB-B05E-18611C351D91}"/>
+              </a:ext>
+            </a:extLst>
+          </p:cNvPr>
           <p:cNvCxnSpPr>
-            <a:stCxn id="9" idx="1"/>
-            <a:endCxn id="120" idx="3"/>
+            <a:cxnSpLocks/>
           </p:cNvCxnSpPr>
           <p:nvPr/>
         </p:nvCxnSpPr>
         <p:spPr>
-          <a:xfrm rot="10800000" flipV="1">
-            <a:off x="1503020" y="1944303"/>
-            <a:ext cx="589823" cy="341697"/>
+          <a:xfrm>
+            <a:off x="1553286" y="1358454"/>
+            <a:ext cx="2071323" cy="0"/>
           </a:xfrm>
-          <a:prstGeom prst="bentConnector2">
+          <a:prstGeom prst="straightConnector1">
             <a:avLst/>
           </a:prstGeom>
           <a:ln w="19050">
             <a:solidFill>
               <a:srgbClr val="00B050"/>
             </a:solidFill>
-            <a:prstDash val="sysDot"/>
-            <a:headEnd type="none" w="med" len="med"/>
+            <a:tailEnd type="arrow"/>
+          </a:ln>
+        </p:spPr>
+        <p:style>
+          <a:lnRef idx="1">
+            <a:schemeClr val="accent1"/>
+          </a:lnRef>
+          <a:fillRef idx="0">
+            <a:schemeClr val="accent1"/>
+          </a:fillRef>
+          <a:effectRef idx="0">
+            <a:schemeClr val="accent1"/>
+          </a:effectRef>
+          <a:fontRef idx="minor">
+            <a:schemeClr val="tx1"/>
+          </a:fontRef>
+        </p:style>
+      </p:cxnSp>
+      <p:sp>
+        <p:nvSpPr>
+          <p:cNvPr id="71" name="TextBox 70">
+            <a:extLst>
+              <a:ext uri="{FF2B5EF4-FFF2-40B4-BE49-F238E27FC236}">
+                <a16:creationId xmlns:a16="http://schemas.microsoft.com/office/drawing/2014/main" id="{ADE8EFE8-7101-44FB-B7F9-1BE225BC8226}"/>
+              </a:ext>
+            </a:extLst>
+          </p:cNvPr>
+          <p:cNvSpPr txBox="1"/>
+          <p:nvPr/>
+        </p:nvSpPr>
+        <p:spPr>
+          <a:xfrm>
+            <a:off x="1980389" y="1378355"/>
+            <a:ext cx="1424846" cy="215444"/>
+          </a:xfrm>
+          <a:prstGeom prst="rect">
+            <a:avLst/>
+          </a:prstGeom>
+          <a:noFill/>
+        </p:spPr>
+        <p:txBody>
+          <a:bodyPr wrap="square" lIns="0" tIns="0" rIns="0" bIns="0" rtlCol="0">
+            <a:spAutoFit/>
+          </a:bodyPr>
+          <a:lstStyle/>
+          <a:p>
+            <a:r>
+              <a:rPr lang="en-US" sz="1400" dirty="0">
+                <a:solidFill>
+                  <a:srgbClr val="0070C0"/>
+                </a:solidFill>
+              </a:rPr>
+              <a:t>execute(“</a:t>
+            </a:r>
+            <a:r>
+              <a:rPr lang="en-US" sz="1400" dirty="0" err="1">
+                <a:solidFill>
+                  <a:srgbClr val="0070C0"/>
+                </a:solidFill>
+              </a:rPr>
+              <a:t>favlist</a:t>
+            </a:r>
+            <a:r>
+              <a:rPr lang="en-US" sz="1400" dirty="0">
+                <a:solidFill>
+                  <a:srgbClr val="0070C0"/>
+                </a:solidFill>
+              </a:rPr>
+              <a:t>”)</a:t>
+            </a:r>
+          </a:p>
+        </p:txBody>
+      </p:sp>
+      <p:cxnSp>
+        <p:nvCxnSpPr>
+          <p:cNvPr id="72" name="Straight Arrow Connector 71">
+            <a:extLst>
+              <a:ext uri="{FF2B5EF4-FFF2-40B4-BE49-F238E27FC236}">
+                <a16:creationId xmlns:a16="http://schemas.microsoft.com/office/drawing/2014/main" id="{123EC260-7E25-4EE4-8397-01B13FA8E997}"/>
+              </a:ext>
+            </a:extLst>
+          </p:cNvPr>
+          <p:cNvCxnSpPr/>
+          <p:nvPr/>
+        </p:nvCxnSpPr>
+        <p:spPr>
+          <a:xfrm>
+            <a:off x="1553286" y="2190978"/>
+            <a:ext cx="2058118" cy="0"/>
+          </a:xfrm>
+          <a:prstGeom prst="straightConnector1">
+            <a:avLst/>
+          </a:prstGeom>
+          <a:ln w="19050">
+            <a:solidFill>
+              <a:srgbClr val="0070C0"/>
+            </a:solidFill>
+            <a:prstDash val="sysDash"/>
+            <a:headEnd type="arrow" w="med" len="med"/>
             <a:tailEnd type="none" w="med" len="med"/>
+          </a:ln>
+        </p:spPr>
+        <p:style>
+          <a:lnRef idx="1">
+            <a:schemeClr val="accent1"/>
+          </a:lnRef>
+          <a:fillRef idx="0">
+            <a:schemeClr val="accent1"/>
+          </a:fillRef>
+          <a:effectRef idx="0">
+            <a:schemeClr val="accent1"/>
+          </a:effectRef>
+          <a:fontRef idx="minor">
+            <a:schemeClr val="tx1"/>
+          </a:fontRef>
+        </p:style>
+      </p:cxnSp>
+      <p:sp>
+        <p:nvSpPr>
+          <p:cNvPr id="125" name="Rectangle 62">
+            <a:extLst>
+              <a:ext uri="{FF2B5EF4-FFF2-40B4-BE49-F238E27FC236}">
+                <a16:creationId xmlns:a16="http://schemas.microsoft.com/office/drawing/2014/main" id="{B09792BC-F633-44D9-9C97-F226B72A507E}"/>
+              </a:ext>
+            </a:extLst>
+          </p:cNvPr>
+          <p:cNvSpPr/>
+          <p:nvPr/>
+        </p:nvSpPr>
+        <p:spPr>
+          <a:xfrm>
+            <a:off x="3319145" y="583121"/>
+            <a:ext cx="1093635" cy="346760"/>
+          </a:xfrm>
+          <a:prstGeom prst="rect">
+            <a:avLst/>
+          </a:prstGeom>
+          <a:solidFill>
+            <a:srgbClr val="0070C0"/>
+          </a:solidFill>
+          <a:ln w="19050">
+            <a:solidFill>
+              <a:srgbClr val="0070C0"/>
+            </a:solidFill>
           </a:ln>
           <a:effectLst/>
         </p:spPr>
@@ -5074,30 +4166,291 @@
             <a:schemeClr val="dk1"/>
           </a:fontRef>
         </p:style>
-      </p:cxnSp>
+        <p:txBody>
+          <a:bodyPr rtlCol="0" anchor="ctr"/>
+          <a:lstStyle/>
+          <a:p>
+            <a:pPr algn="ctr"/>
+            <a:r>
+              <a:rPr lang="en-US" sz="1600" dirty="0">
+                <a:solidFill>
+                  <a:schemeClr val="bg1"/>
+                </a:solidFill>
+              </a:rPr>
+              <a:t>:Logic</a:t>
+            </a:r>
+            <a:endParaRPr lang="en-SG" sz="1600" dirty="0">
+              <a:solidFill>
+                <a:schemeClr val="bg1"/>
+              </a:solidFill>
+            </a:endParaRPr>
+          </a:p>
+        </p:txBody>
+      </p:sp>
       <p:cxnSp>
         <p:nvCxnSpPr>
-          <p:cNvPr id="131" name="Elbow Connector 130"/>
+          <p:cNvPr id="126" name="Straight Arrow Connector 125">
+            <a:extLst>
+              <a:ext uri="{FF2B5EF4-FFF2-40B4-BE49-F238E27FC236}">
+                <a16:creationId xmlns:a16="http://schemas.microsoft.com/office/drawing/2014/main" id="{D8E9BDA8-B885-41F8-97D8-4A6D31F7780F}"/>
+              </a:ext>
+            </a:extLst>
+          </p:cNvPr>
           <p:cNvCxnSpPr>
-            <a:stCxn id="39" idx="2"/>
-            <a:endCxn id="43" idx="1"/>
+            <a:cxnSpLocks/>
           </p:cNvCxnSpPr>
           <p:nvPr/>
         </p:nvCxnSpPr>
         <p:spPr>
-          <a:xfrm rot="16200000" flipH="1">
-            <a:off x="2226110" y="3058040"/>
-            <a:ext cx="554704" cy="174673"/>
+          <a:xfrm flipV="1">
+            <a:off x="3752187" y="1473927"/>
+            <a:ext cx="2551170" cy="21258"/>
           </a:xfrm>
-          <a:prstGeom prst="bentConnector2">
+          <a:prstGeom prst="straightConnector1">
             <a:avLst/>
           </a:prstGeom>
           <a:ln w="19050">
             <a:solidFill>
-              <a:schemeClr val="accent3"/>
+              <a:srgbClr val="0070C0"/>
             </a:solidFill>
-            <a:headEnd type="none" w="med" len="med"/>
-            <a:tailEnd type="arrow" w="med" len="med"/>
+            <a:tailEnd type="arrow"/>
+          </a:ln>
+        </p:spPr>
+        <p:style>
+          <a:lnRef idx="1">
+            <a:schemeClr val="accent1"/>
+          </a:lnRef>
+          <a:fillRef idx="0">
+            <a:schemeClr val="accent1"/>
+          </a:fillRef>
+          <a:effectRef idx="0">
+            <a:schemeClr val="accent1"/>
+          </a:effectRef>
+          <a:fontRef idx="minor">
+            <a:schemeClr val="tx1"/>
+          </a:fontRef>
+        </p:style>
+      </p:cxnSp>
+      <p:sp>
+        <p:nvSpPr>
+          <p:cNvPr id="127" name="TextBox 126">
+            <a:extLst>
+              <a:ext uri="{FF2B5EF4-FFF2-40B4-BE49-F238E27FC236}">
+                <a16:creationId xmlns:a16="http://schemas.microsoft.com/office/drawing/2014/main" id="{F672D82F-C6B1-4EEB-8D79-D104851F0AB4}"/>
+              </a:ext>
+            </a:extLst>
+          </p:cNvPr>
+          <p:cNvSpPr txBox="1"/>
+          <p:nvPr/>
+        </p:nvSpPr>
+        <p:spPr>
+          <a:xfrm>
+            <a:off x="3865962" y="1531429"/>
+            <a:ext cx="2470762" cy="215444"/>
+          </a:xfrm>
+          <a:prstGeom prst="rect">
+            <a:avLst/>
+          </a:prstGeom>
+          <a:noFill/>
+        </p:spPr>
+        <p:txBody>
+          <a:bodyPr wrap="square" lIns="0" tIns="0" rIns="0" bIns="0" rtlCol="0">
+            <a:spAutoFit/>
+          </a:bodyPr>
+          <a:lstStyle/>
+          <a:p>
+            <a:r>
+              <a:rPr lang="en-US" sz="1400" dirty="0" err="1">
+                <a:solidFill>
+                  <a:srgbClr val="7030A0"/>
+                </a:solidFill>
+              </a:rPr>
+              <a:t>getFilteredFavouritePersonList</a:t>
+            </a:r>
+            <a:r>
+              <a:rPr lang="en-US" sz="1400" dirty="0">
+                <a:solidFill>
+                  <a:srgbClr val="7030A0"/>
+                </a:solidFill>
+              </a:rPr>
+              <a:t>()</a:t>
+            </a:r>
+          </a:p>
+        </p:txBody>
+      </p:sp>
+      <p:cxnSp>
+        <p:nvCxnSpPr>
+          <p:cNvPr id="128" name="Straight Arrow Connector 127">
+            <a:extLst>
+              <a:ext uri="{FF2B5EF4-FFF2-40B4-BE49-F238E27FC236}">
+                <a16:creationId xmlns:a16="http://schemas.microsoft.com/office/drawing/2014/main" id="{2B6C41BB-F90C-41C8-949B-1D8AA68A8E1B}"/>
+              </a:ext>
+            </a:extLst>
+          </p:cNvPr>
+          <p:cNvCxnSpPr>
+            <a:cxnSpLocks/>
+          </p:cNvCxnSpPr>
+          <p:nvPr/>
+        </p:nvCxnSpPr>
+        <p:spPr>
+          <a:xfrm>
+            <a:off x="3752187" y="2125321"/>
+            <a:ext cx="2542420" cy="0"/>
+          </a:xfrm>
+          <a:prstGeom prst="straightConnector1">
+            <a:avLst/>
+          </a:prstGeom>
+          <a:ln w="19050">
+            <a:solidFill>
+              <a:srgbClr val="7030A0"/>
+            </a:solidFill>
+            <a:prstDash val="sysDash"/>
+            <a:headEnd type="arrow" w="med" len="med"/>
+            <a:tailEnd type="none" w="med" len="med"/>
+          </a:ln>
+        </p:spPr>
+        <p:style>
+          <a:lnRef idx="1">
+            <a:schemeClr val="accent1"/>
+          </a:lnRef>
+          <a:fillRef idx="0">
+            <a:schemeClr val="accent1"/>
+          </a:fillRef>
+          <a:effectRef idx="0">
+            <a:schemeClr val="accent1"/>
+          </a:effectRef>
+          <a:fontRef idx="minor">
+            <a:schemeClr val="tx1"/>
+          </a:fontRef>
+        </p:style>
+      </p:cxnSp>
+      <p:cxnSp>
+        <p:nvCxnSpPr>
+          <p:cNvPr id="129" name="Straight Connector 128">
+            <a:extLst>
+              <a:ext uri="{FF2B5EF4-FFF2-40B4-BE49-F238E27FC236}">
+                <a16:creationId xmlns:a16="http://schemas.microsoft.com/office/drawing/2014/main" id="{B0241814-1220-4809-A710-F6093C7AD114}"/>
+              </a:ext>
+            </a:extLst>
+          </p:cNvPr>
+          <p:cNvCxnSpPr/>
+          <p:nvPr/>
+        </p:nvCxnSpPr>
+        <p:spPr>
+          <a:xfrm>
+            <a:off x="3680179" y="871768"/>
+            <a:ext cx="0" cy="1723059"/>
+          </a:xfrm>
+          <a:prstGeom prst="line">
+            <a:avLst/>
+          </a:prstGeom>
+          <a:ln w="19050">
+            <a:solidFill>
+              <a:srgbClr val="0070C0"/>
+            </a:solidFill>
+            <a:prstDash val="sysDash"/>
+          </a:ln>
+          <a:effectLst/>
+        </p:spPr>
+        <p:style>
+          <a:lnRef idx="1">
+            <a:schemeClr val="accent1"/>
+          </a:lnRef>
+          <a:fillRef idx="2">
+            <a:schemeClr val="accent1"/>
+          </a:fillRef>
+          <a:effectRef idx="1">
+            <a:schemeClr val="accent1"/>
+          </a:effectRef>
+          <a:fontRef idx="minor">
+            <a:schemeClr val="dk1"/>
+          </a:fontRef>
+        </p:style>
+      </p:cxnSp>
+      <p:sp>
+        <p:nvSpPr>
+          <p:cNvPr id="130" name="Rectangle 129">
+            <a:extLst>
+              <a:ext uri="{FF2B5EF4-FFF2-40B4-BE49-F238E27FC236}">
+                <a16:creationId xmlns:a16="http://schemas.microsoft.com/office/drawing/2014/main" id="{E73AD254-F924-4B33-8C26-11BCCD479224}"/>
+              </a:ext>
+            </a:extLst>
+          </p:cNvPr>
+          <p:cNvSpPr/>
+          <p:nvPr/>
+        </p:nvSpPr>
+        <p:spPr>
+          <a:xfrm>
+            <a:off x="3608171" y="1358454"/>
+            <a:ext cx="144016" cy="832525"/>
+          </a:xfrm>
+          <a:prstGeom prst="rect">
+            <a:avLst/>
+          </a:prstGeom>
+          <a:solidFill>
+            <a:srgbClr val="0070C0"/>
+          </a:solidFill>
+          <a:ln>
+            <a:solidFill>
+              <a:srgbClr val="0070C0"/>
+            </a:solidFill>
+          </a:ln>
+          <a:effectLst/>
+        </p:spPr>
+        <p:style>
+          <a:lnRef idx="1">
+            <a:schemeClr val="accent3"/>
+          </a:lnRef>
+          <a:fillRef idx="2">
+            <a:schemeClr val="accent3"/>
+          </a:fillRef>
+          <a:effectRef idx="1">
+            <a:schemeClr val="accent3"/>
+          </a:effectRef>
+          <a:fontRef idx="minor">
+            <a:schemeClr val="dk1"/>
+          </a:fontRef>
+        </p:style>
+        <p:txBody>
+          <a:bodyPr rtlCol="0" anchor="ctr"/>
+          <a:lstStyle/>
+          <a:p>
+            <a:pPr algn="ctr"/>
+            <a:endParaRPr lang="en-SG" sz="1400">
+              <a:solidFill>
+                <a:schemeClr val="dk1"/>
+              </a:solidFill>
+            </a:endParaRPr>
+          </a:p>
+        </p:txBody>
+      </p:sp>
+      <p:sp>
+        <p:nvSpPr>
+          <p:cNvPr id="132" name="Rectangle 62">
+            <a:extLst>
+              <a:ext uri="{FF2B5EF4-FFF2-40B4-BE49-F238E27FC236}">
+                <a16:creationId xmlns:a16="http://schemas.microsoft.com/office/drawing/2014/main" id="{114E3217-7A19-46C4-9508-CF6D7F617037}"/>
+              </a:ext>
+            </a:extLst>
+          </p:cNvPr>
+          <p:cNvSpPr/>
+          <p:nvPr/>
+        </p:nvSpPr>
+        <p:spPr>
+          <a:xfrm>
+            <a:off x="5819798" y="543445"/>
+            <a:ext cx="1093635" cy="346760"/>
+          </a:xfrm>
+          <a:prstGeom prst="rect">
+            <a:avLst/>
+          </a:prstGeom>
+          <a:solidFill>
+            <a:srgbClr val="7030A0"/>
+          </a:solidFill>
+          <a:ln w="19050">
+            <a:solidFill>
+              <a:srgbClr val="7030A0"/>
+            </a:solidFill>
           </a:ln>
           <a:effectLst/>
         </p:spPr>
@@ -5115,30 +4468,297 @@
             <a:schemeClr val="dk1"/>
           </a:fontRef>
         </p:style>
+        <p:txBody>
+          <a:bodyPr rtlCol="0" anchor="ctr"/>
+          <a:lstStyle/>
+          <a:p>
+            <a:pPr algn="ctr"/>
+            <a:r>
+              <a:rPr lang="en-US" sz="1600" dirty="0">
+                <a:solidFill>
+                  <a:schemeClr val="bg1"/>
+                </a:solidFill>
+              </a:rPr>
+              <a:t>:Model</a:t>
+            </a:r>
+            <a:endParaRPr lang="en-SG" sz="1600" dirty="0">
+              <a:solidFill>
+                <a:schemeClr val="bg1"/>
+              </a:solidFill>
+            </a:endParaRPr>
+          </a:p>
+        </p:txBody>
+      </p:sp>
+      <p:cxnSp>
+        <p:nvCxnSpPr>
+          <p:cNvPr id="133" name="Straight Connector 132">
+            <a:extLst>
+              <a:ext uri="{FF2B5EF4-FFF2-40B4-BE49-F238E27FC236}">
+                <a16:creationId xmlns:a16="http://schemas.microsoft.com/office/drawing/2014/main" id="{566089AA-8AC5-4B08-98FE-4E2634ACC11F}"/>
+              </a:ext>
+            </a:extLst>
+          </p:cNvPr>
+          <p:cNvCxnSpPr/>
+          <p:nvPr/>
+        </p:nvCxnSpPr>
+        <p:spPr>
+          <a:xfrm>
+            <a:off x="6366615" y="907116"/>
+            <a:ext cx="0" cy="1723059"/>
+          </a:xfrm>
+          <a:prstGeom prst="line">
+            <a:avLst/>
+          </a:prstGeom>
+          <a:ln w="19050">
+            <a:solidFill>
+              <a:srgbClr val="7030A0"/>
+            </a:solidFill>
+            <a:prstDash val="sysDash"/>
+          </a:ln>
+          <a:effectLst/>
+        </p:spPr>
+        <p:style>
+          <a:lnRef idx="1">
+            <a:schemeClr val="accent1"/>
+          </a:lnRef>
+          <a:fillRef idx="2">
+            <a:schemeClr val="accent1"/>
+          </a:fillRef>
+          <a:effectRef idx="1">
+            <a:schemeClr val="accent1"/>
+          </a:effectRef>
+          <a:fontRef idx="minor">
+            <a:schemeClr val="dk1"/>
+          </a:fontRef>
+        </p:style>
+      </p:cxnSp>
+      <p:sp>
+        <p:nvSpPr>
+          <p:cNvPr id="134" name="Rectangle 133">
+            <a:extLst>
+              <a:ext uri="{FF2B5EF4-FFF2-40B4-BE49-F238E27FC236}">
+                <a16:creationId xmlns:a16="http://schemas.microsoft.com/office/drawing/2014/main" id="{5236D089-C0C2-4014-B969-ACDC873CB129}"/>
+              </a:ext>
+            </a:extLst>
+          </p:cNvPr>
+          <p:cNvSpPr/>
+          <p:nvPr/>
+        </p:nvSpPr>
+        <p:spPr>
+          <a:xfrm>
+            <a:off x="6294607" y="1473927"/>
+            <a:ext cx="142006" cy="651394"/>
+          </a:xfrm>
+          <a:prstGeom prst="rect">
+            <a:avLst/>
+          </a:prstGeom>
+          <a:solidFill>
+            <a:srgbClr val="7030A0"/>
+          </a:solidFill>
+          <a:ln>
+            <a:solidFill>
+              <a:srgbClr val="7030A0"/>
+            </a:solidFill>
+          </a:ln>
+          <a:effectLst/>
+        </p:spPr>
+        <p:style>
+          <a:lnRef idx="1">
+            <a:schemeClr val="accent3"/>
+          </a:lnRef>
+          <a:fillRef idx="2">
+            <a:schemeClr val="accent3"/>
+          </a:fillRef>
+          <a:effectRef idx="1">
+            <a:schemeClr val="accent3"/>
+          </a:effectRef>
+          <a:fontRef idx="minor">
+            <a:schemeClr val="dk1"/>
+          </a:fontRef>
+        </p:style>
+        <p:txBody>
+          <a:bodyPr rtlCol="0" anchor="ctr"/>
+          <a:lstStyle/>
+          <a:p>
+            <a:pPr algn="ctr"/>
+            <a:endParaRPr lang="en-SG" sz="1400">
+              <a:solidFill>
+                <a:schemeClr val="dk1"/>
+              </a:solidFill>
+            </a:endParaRPr>
+          </a:p>
+        </p:txBody>
+      </p:sp>
+      <p:sp>
+        <p:nvSpPr>
+          <p:cNvPr id="135" name="TextBox 134">
+            <a:extLst>
+              <a:ext uri="{FF2B5EF4-FFF2-40B4-BE49-F238E27FC236}">
+                <a16:creationId xmlns:a16="http://schemas.microsoft.com/office/drawing/2014/main" id="{0A01D8A9-E377-4ED0-AC44-4E93A0FFC7A8}"/>
+              </a:ext>
+            </a:extLst>
+          </p:cNvPr>
+          <p:cNvSpPr txBox="1"/>
+          <p:nvPr/>
+        </p:nvSpPr>
+        <p:spPr>
+          <a:xfrm>
+            <a:off x="7071359" y="1612213"/>
+            <a:ext cx="2438400" cy="215444"/>
+          </a:xfrm>
+          <a:prstGeom prst="rect">
+            <a:avLst/>
+          </a:prstGeom>
+          <a:noFill/>
+        </p:spPr>
+        <p:txBody>
+          <a:bodyPr wrap="square" lIns="0" tIns="0" rIns="0" bIns="0" rtlCol="0">
+            <a:spAutoFit/>
+          </a:bodyPr>
+          <a:lstStyle/>
+          <a:p>
+            <a:r>
+              <a:rPr lang="en-US" sz="1400" dirty="0" err="1">
+                <a:solidFill>
+                  <a:schemeClr val="accent5">
+                    <a:lumMod val="75000"/>
+                  </a:schemeClr>
+                </a:solidFill>
+              </a:rPr>
+              <a:t>getFavouritePersonList</a:t>
+            </a:r>
+            <a:r>
+              <a:rPr lang="en-US" sz="1400" dirty="0">
+                <a:solidFill>
+                  <a:schemeClr val="accent5">
+                    <a:lumMod val="75000"/>
+                  </a:schemeClr>
+                </a:solidFill>
+              </a:rPr>
+              <a:t>()</a:t>
+            </a:r>
+          </a:p>
+        </p:txBody>
+      </p:sp>
+      <p:cxnSp>
+        <p:nvCxnSpPr>
+          <p:cNvPr id="138" name="Straight Arrow Connector 137">
+            <a:extLst>
+              <a:ext uri="{FF2B5EF4-FFF2-40B4-BE49-F238E27FC236}">
+                <a16:creationId xmlns:a16="http://schemas.microsoft.com/office/drawing/2014/main" id="{AB965B99-BA25-4D07-9E1C-27BD56E00384}"/>
+              </a:ext>
+            </a:extLst>
+          </p:cNvPr>
+          <p:cNvCxnSpPr/>
+          <p:nvPr/>
+        </p:nvCxnSpPr>
+        <p:spPr>
+          <a:xfrm>
+            <a:off x="6447007" y="1896721"/>
+            <a:ext cx="2568438" cy="0"/>
+          </a:xfrm>
+          <a:prstGeom prst="straightConnector1">
+            <a:avLst/>
+          </a:prstGeom>
+          <a:ln w="19050">
+            <a:solidFill>
+              <a:srgbClr val="7030A0"/>
+            </a:solidFill>
+            <a:tailEnd type="arrow"/>
+          </a:ln>
+        </p:spPr>
+        <p:style>
+          <a:lnRef idx="1">
+            <a:schemeClr val="accent1"/>
+          </a:lnRef>
+          <a:fillRef idx="0">
+            <a:schemeClr val="accent1"/>
+          </a:fillRef>
+          <a:effectRef idx="0">
+            <a:schemeClr val="accent1"/>
+          </a:effectRef>
+          <a:fontRef idx="minor">
+            <a:schemeClr val="tx1"/>
+          </a:fontRef>
+        </p:style>
       </p:cxnSp>
       <p:cxnSp>
         <p:nvCxnSpPr>
-          <p:cNvPr id="132" name="Elbow Connector 63"/>
-          <p:cNvCxnSpPr>
-            <a:stCxn id="16" idx="3"/>
-            <a:endCxn id="3" idx="3"/>
-          </p:cNvCxnSpPr>
+          <p:cNvPr id="139" name="Straight Arrow Connector 138">
+            <a:extLst>
+              <a:ext uri="{FF2B5EF4-FFF2-40B4-BE49-F238E27FC236}">
+                <a16:creationId xmlns:a16="http://schemas.microsoft.com/office/drawing/2014/main" id="{253A1944-DBCA-4052-8C97-F4598532DCD5}"/>
+              </a:ext>
+            </a:extLst>
+          </p:cNvPr>
+          <p:cNvCxnSpPr/>
           <p:nvPr/>
         </p:nvCxnSpPr>
         <p:spPr>
-          <a:xfrm rot="5400000">
-            <a:off x="4205956" y="1766207"/>
-            <a:ext cx="804221" cy="1843806"/>
+          <a:xfrm>
+            <a:off x="6447007" y="2073508"/>
+            <a:ext cx="2549946" cy="0"/>
           </a:xfrm>
-          <a:prstGeom prst="bentConnector2">
+          <a:prstGeom prst="straightConnector1">
             <a:avLst/>
           </a:prstGeom>
-          <a:ln w="6350">
+          <a:ln w="19050">
             <a:solidFill>
-              <a:schemeClr val="accent3"/>
+              <a:schemeClr val="accent5">
+                <a:lumMod val="75000"/>
+              </a:schemeClr>
             </a:solidFill>
-            <a:headEnd type="none" w="med" len="med"/>
+            <a:prstDash val="sysDash"/>
+            <a:headEnd type="arrow" w="med" len="med"/>
             <a:tailEnd type="none" w="med" len="med"/>
+          </a:ln>
+        </p:spPr>
+        <p:style>
+          <a:lnRef idx="1">
+            <a:schemeClr val="accent1"/>
+          </a:lnRef>
+          <a:fillRef idx="0">
+            <a:schemeClr val="accent1"/>
+          </a:fillRef>
+          <a:effectRef idx="0">
+            <a:schemeClr val="accent1"/>
+          </a:effectRef>
+          <a:fontRef idx="minor">
+            <a:schemeClr val="tx1"/>
+          </a:fontRef>
+        </p:style>
+      </p:cxnSp>
+      <p:sp>
+        <p:nvSpPr>
+          <p:cNvPr id="141" name="Rectangle 62">
+            <a:extLst>
+              <a:ext uri="{FF2B5EF4-FFF2-40B4-BE49-F238E27FC236}">
+                <a16:creationId xmlns:a16="http://schemas.microsoft.com/office/drawing/2014/main" id="{9C80A96D-7983-4FA3-8138-04EE12A07357}"/>
+              </a:ext>
+            </a:extLst>
+          </p:cNvPr>
+          <p:cNvSpPr/>
+          <p:nvPr/>
+        </p:nvSpPr>
+        <p:spPr>
+          <a:xfrm>
+            <a:off x="7782339" y="560356"/>
+            <a:ext cx="1371600" cy="346760"/>
+          </a:xfrm>
+          <a:prstGeom prst="rect">
+            <a:avLst/>
+          </a:prstGeom>
+          <a:solidFill>
+            <a:schemeClr val="accent5">
+              <a:lumMod val="75000"/>
+            </a:schemeClr>
+          </a:solidFill>
+          <a:ln w="19050">
+            <a:solidFill>
+              <a:schemeClr val="accent5">
+                <a:lumMod val="75000"/>
+              </a:schemeClr>
+            </a:solidFill>
           </a:ln>
           <a:effectLst/>
         </p:spPr>
@@ -5156,363 +4776,145 @@
             <a:schemeClr val="dk1"/>
           </a:fontRef>
         </p:style>
-      </p:cxnSp>
+        <p:txBody>
+          <a:bodyPr rtlCol="0" anchor="ctr"/>
+          <a:lstStyle/>
+          <a:p>
+            <a:pPr algn="ctr"/>
+            <a:r>
+              <a:rPr lang="en-US" sz="1600" dirty="0">
+                <a:solidFill>
+                  <a:schemeClr val="bg1"/>
+                </a:solidFill>
+              </a:rPr>
+              <a:t>:</a:t>
+            </a:r>
+            <a:r>
+              <a:rPr lang="en-US" sz="1600" dirty="0" err="1">
+                <a:solidFill>
+                  <a:schemeClr val="bg1"/>
+                </a:solidFill>
+              </a:rPr>
+              <a:t>AddressBook</a:t>
+            </a:r>
+            <a:endParaRPr lang="en-SG" sz="1600" dirty="0">
+              <a:solidFill>
+                <a:schemeClr val="bg1"/>
+              </a:solidFill>
+            </a:endParaRPr>
+          </a:p>
+        </p:txBody>
+      </p:sp>
       <p:cxnSp>
         <p:nvCxnSpPr>
-          <p:cNvPr id="137" name="Elbow Connector 136"/>
-          <p:cNvCxnSpPr>
-            <a:stCxn id="36" idx="2"/>
-            <a:endCxn id="37" idx="1"/>
-          </p:cNvCxnSpPr>
+          <p:cNvPr id="142" name="Straight Connector 141">
+            <a:extLst>
+              <a:ext uri="{FF2B5EF4-FFF2-40B4-BE49-F238E27FC236}">
+                <a16:creationId xmlns:a16="http://schemas.microsoft.com/office/drawing/2014/main" id="{EE476911-9724-4A28-93D1-BEE0CCA1F149}"/>
+              </a:ext>
+            </a:extLst>
+          </p:cNvPr>
+          <p:cNvCxnSpPr/>
           <p:nvPr/>
         </p:nvCxnSpPr>
         <p:spPr>
-          <a:xfrm rot="16200000" flipH="1">
-            <a:off x="3430123" y="3938021"/>
-            <a:ext cx="118421" cy="699979"/>
+          <a:xfrm>
+            <a:off x="9083941" y="877421"/>
+            <a:ext cx="0" cy="1723059"/>
           </a:xfrm>
-          <a:prstGeom prst="bentConnector2">
+          <a:prstGeom prst="line">
             <a:avLst/>
           </a:prstGeom>
           <a:ln w="19050">
             <a:solidFill>
-              <a:schemeClr val="accent3"/>
+              <a:schemeClr val="accent5">
+                <a:lumMod val="75000"/>
+              </a:schemeClr>
             </a:solidFill>
-            <a:headEnd type="none" w="med" len="med"/>
-            <a:tailEnd type="arrow" w="med" len="med"/>
+            <a:prstDash val="sysDash"/>
           </a:ln>
           <a:effectLst/>
         </p:spPr>
         <p:style>
           <a:lnRef idx="1">
-            <a:schemeClr val="accent2"/>
+            <a:schemeClr val="accent1"/>
           </a:lnRef>
           <a:fillRef idx="2">
-            <a:schemeClr val="accent2"/>
+            <a:schemeClr val="accent1"/>
           </a:fillRef>
           <a:effectRef idx="1">
-            <a:schemeClr val="accent2"/>
+            <a:schemeClr val="accent1"/>
           </a:effectRef>
           <a:fontRef idx="minor">
             <a:schemeClr val="dk1"/>
           </a:fontRef>
         </p:style>
       </p:cxnSp>
-      <p:cxnSp>
-        <p:nvCxnSpPr>
-          <p:cNvPr id="140" name="Elbow Connector 63"/>
-          <p:cNvCxnSpPr>
-            <a:stCxn id="16" idx="3"/>
-            <a:endCxn id="36" idx="3"/>
-          </p:cNvCxnSpPr>
+      <p:sp>
+        <p:nvSpPr>
+          <p:cNvPr id="143" name="Rectangle 142">
+            <a:extLst>
+              <a:ext uri="{FF2B5EF4-FFF2-40B4-BE49-F238E27FC236}">
+                <a16:creationId xmlns:a16="http://schemas.microsoft.com/office/drawing/2014/main" id="{94090742-F533-4A2F-B43A-850EDF878093}"/>
+              </a:ext>
+            </a:extLst>
+          </p:cNvPr>
+          <p:cNvSpPr/>
           <p:nvPr/>
-        </p:nvCxnSpPr>
+        </p:nvSpPr>
         <p:spPr>
-          <a:xfrm rot="5400000">
-            <a:off x="3695875" y="2276286"/>
-            <a:ext cx="1824381" cy="1843808"/>
+          <a:xfrm>
+            <a:off x="9011933" y="1894318"/>
+            <a:ext cx="142006" cy="176787"/>
           </a:xfrm>
-          <a:prstGeom prst="bentConnector2">
+          <a:prstGeom prst="rect">
             <a:avLst/>
           </a:prstGeom>
-          <a:ln w="6350">
+          <a:solidFill>
+            <a:schemeClr val="accent5">
+              <a:lumMod val="75000"/>
+            </a:schemeClr>
+          </a:solidFill>
+          <a:ln>
             <a:solidFill>
-              <a:schemeClr val="accent3"/>
+              <a:schemeClr val="accent5">
+                <a:lumMod val="75000"/>
+              </a:schemeClr>
             </a:solidFill>
-            <a:headEnd type="none" w="med" len="med"/>
-            <a:tailEnd type="none" w="med" len="med"/>
           </a:ln>
           <a:effectLst/>
         </p:spPr>
         <p:style>
           <a:lnRef idx="1">
-            <a:schemeClr val="accent2"/>
+            <a:schemeClr val="accent3"/>
           </a:lnRef>
           <a:fillRef idx="2">
-            <a:schemeClr val="accent2"/>
+            <a:schemeClr val="accent3"/>
           </a:fillRef>
           <a:effectRef idx="1">
-            <a:schemeClr val="accent2"/>
+            <a:schemeClr val="accent3"/>
           </a:effectRef>
           <a:fontRef idx="minor">
             <a:schemeClr val="dk1"/>
           </a:fontRef>
         </p:style>
-      </p:cxnSp>
-      <p:sp>
-        <p:nvSpPr>
-          <p:cNvPr id="143" name="Rectangle 142"/>
-          <p:cNvSpPr/>
-          <p:nvPr/>
-        </p:nvSpPr>
-        <p:spPr>
-          <a:xfrm>
-            <a:off x="5435896" y="2743200"/>
-            <a:ext cx="229325" cy="166560"/>
-          </a:xfrm>
-          <a:prstGeom prst="rect">
-            <a:avLst/>
-          </a:prstGeom>
-          <a:solidFill>
-            <a:schemeClr val="accent3">
-              <a:lumMod val="20000"/>
-              <a:lumOff val="80000"/>
-              <a:alpha val="80000"/>
-            </a:schemeClr>
-          </a:solidFill>
-          <a:ln>
-            <a:noFill/>
-          </a:ln>
-          <a:effectLst>
-            <a:softEdge rad="31750"/>
-          </a:effectLst>
-        </p:spPr>
-        <p:style>
-          <a:lnRef idx="2">
-            <a:schemeClr val="accent1">
-              <a:shade val="50000"/>
-            </a:schemeClr>
-          </a:lnRef>
-          <a:fillRef idx="1">
-            <a:schemeClr val="accent1"/>
-          </a:fillRef>
-          <a:effectRef idx="0">
-            <a:schemeClr val="accent1"/>
-          </a:effectRef>
-          <a:fontRef idx="minor">
-            <a:schemeClr val="lt1"/>
-          </a:fontRef>
-        </p:style>
         <p:txBody>
           <a:bodyPr rtlCol="0" anchor="ctr"/>
           <a:lstStyle/>
           <a:p>
             <a:pPr algn="ctr"/>
-            <a:endParaRPr lang="en-SG"/>
-          </a:p>
-        </p:txBody>
-      </p:sp>
-      <p:sp>
-        <p:nvSpPr>
-          <p:cNvPr id="116" name="Freeform 115"/>
-          <p:cNvSpPr/>
-          <p:nvPr/>
-        </p:nvSpPr>
-        <p:spPr>
-          <a:xfrm>
-            <a:off x="3687515" y="2828802"/>
-            <a:ext cx="3048000" cy="203200"/>
-          </a:xfrm>
-          <a:custGeom>
-            <a:avLst/>
-            <a:gdLst>
-              <a:gd name="connsiteX0" fmla="*/ 0 w 3048000"/>
-              <a:gd name="connsiteY0" fmla="*/ 203200 h 203200"/>
-              <a:gd name="connsiteX1" fmla="*/ 221673 w 3048000"/>
-              <a:gd name="connsiteY1" fmla="*/ 0 h 203200"/>
-              <a:gd name="connsiteX2" fmla="*/ 3048000 w 3048000"/>
-              <a:gd name="connsiteY2" fmla="*/ 0 h 203200"/>
-            </a:gdLst>
-            <a:ahLst/>
-            <a:cxnLst>
-              <a:cxn ang="0">
-                <a:pos x="connsiteX0" y="connsiteY0"/>
-              </a:cxn>
-              <a:cxn ang="0">
-                <a:pos x="connsiteX1" y="connsiteY1"/>
-              </a:cxn>
-              <a:cxn ang="0">
-                <a:pos x="connsiteX2" y="connsiteY2"/>
-              </a:cxn>
-            </a:cxnLst>
-            <a:rect l="l" t="t" r="r" b="b"/>
-            <a:pathLst>
-              <a:path w="3048000" h="203200">
-                <a:moveTo>
-                  <a:pt x="0" y="203200"/>
-                </a:moveTo>
-                <a:lnTo>
-                  <a:pt x="221673" y="0"/>
-                </a:lnTo>
-                <a:lnTo>
-                  <a:pt x="3048000" y="0"/>
-                </a:lnTo>
-              </a:path>
-            </a:pathLst>
-          </a:custGeom>
-          <a:noFill/>
-          <a:ln w="19050">
-            <a:solidFill>
-              <a:schemeClr val="accent3"/>
-            </a:solidFill>
-            <a:prstDash val="solid"/>
-            <a:headEnd type="none" w="med" len="med"/>
-            <a:tailEnd type="arrow" w="med" len="med"/>
-          </a:ln>
-          <a:effectLst/>
-        </p:spPr>
-        <p:style>
-          <a:lnRef idx="1">
-            <a:schemeClr val="accent2"/>
-          </a:lnRef>
-          <a:fillRef idx="2">
-            <a:schemeClr val="accent2"/>
-          </a:fillRef>
-          <a:effectRef idx="1">
-            <a:schemeClr val="accent2"/>
-          </a:effectRef>
-          <a:fontRef idx="minor">
-            <a:schemeClr val="dk1"/>
-          </a:fontRef>
-        </p:style>
-        <p:txBody>
-          <a:bodyPr rtlCol="0" anchor="ctr"/>
-          <a:lstStyle/>
-          <a:p>
-            <a:pPr algn="ctr"/>
-            <a:endParaRPr lang="en-SG"/>
-          </a:p>
-        </p:txBody>
-      </p:sp>
-      <p:sp>
-        <p:nvSpPr>
-          <p:cNvPr id="144" name="Rectangle 143"/>
-          <p:cNvSpPr/>
-          <p:nvPr/>
-        </p:nvSpPr>
-        <p:spPr>
-          <a:xfrm>
-            <a:off x="5431573" y="4488138"/>
-            <a:ext cx="229325" cy="160062"/>
-          </a:xfrm>
-          <a:prstGeom prst="rect">
-            <a:avLst/>
-          </a:prstGeom>
-          <a:solidFill>
-            <a:schemeClr val="accent3">
-              <a:lumMod val="20000"/>
-              <a:lumOff val="80000"/>
-              <a:alpha val="80000"/>
-            </a:schemeClr>
-          </a:solidFill>
-          <a:ln>
-            <a:noFill/>
-          </a:ln>
-          <a:effectLst>
-            <a:softEdge rad="31750"/>
-          </a:effectLst>
-        </p:spPr>
-        <p:style>
-          <a:lnRef idx="2">
-            <a:schemeClr val="accent1">
-              <a:shade val="50000"/>
-            </a:schemeClr>
-          </a:lnRef>
-          <a:fillRef idx="1">
-            <a:schemeClr val="accent1"/>
-          </a:fillRef>
-          <a:effectRef idx="0">
-            <a:schemeClr val="accent1"/>
-          </a:effectRef>
-          <a:fontRef idx="minor">
-            <a:schemeClr val="lt1"/>
-          </a:fontRef>
-        </p:style>
-        <p:txBody>
-          <a:bodyPr rtlCol="0" anchor="ctr"/>
-          <a:lstStyle/>
-          <a:p>
-            <a:pPr algn="ctr"/>
-            <a:endParaRPr lang="en-SG"/>
-          </a:p>
-        </p:txBody>
-      </p:sp>
-      <p:sp>
-        <p:nvSpPr>
-          <p:cNvPr id="118" name="Freeform 117"/>
-          <p:cNvSpPr/>
-          <p:nvPr/>
-        </p:nvSpPr>
-        <p:spPr>
-          <a:xfrm flipV="1">
-            <a:off x="4114799" y="4472708"/>
-            <a:ext cx="2642195" cy="101600"/>
-          </a:xfrm>
-          <a:custGeom>
-            <a:avLst/>
-            <a:gdLst>
-              <a:gd name="connsiteX0" fmla="*/ 0 w 3048000"/>
-              <a:gd name="connsiteY0" fmla="*/ 203200 h 203200"/>
-              <a:gd name="connsiteX1" fmla="*/ 221673 w 3048000"/>
-              <a:gd name="connsiteY1" fmla="*/ 0 h 203200"/>
-              <a:gd name="connsiteX2" fmla="*/ 3048000 w 3048000"/>
-              <a:gd name="connsiteY2" fmla="*/ 0 h 203200"/>
-            </a:gdLst>
-            <a:ahLst/>
-            <a:cxnLst>
-              <a:cxn ang="0">
-                <a:pos x="connsiteX0" y="connsiteY0"/>
-              </a:cxn>
-              <a:cxn ang="0">
-                <a:pos x="connsiteX1" y="connsiteY1"/>
-              </a:cxn>
-              <a:cxn ang="0">
-                <a:pos x="connsiteX2" y="connsiteY2"/>
-              </a:cxn>
-            </a:cxnLst>
-            <a:rect l="l" t="t" r="r" b="b"/>
-            <a:pathLst>
-              <a:path w="3048000" h="203200">
-                <a:moveTo>
-                  <a:pt x="0" y="203200"/>
-                </a:moveTo>
-                <a:lnTo>
-                  <a:pt x="221673" y="0"/>
-                </a:lnTo>
-                <a:lnTo>
-                  <a:pt x="3048000" y="0"/>
-                </a:lnTo>
-              </a:path>
-            </a:pathLst>
-          </a:custGeom>
-          <a:noFill/>
-          <a:ln w="19050">
-            <a:solidFill>
-              <a:schemeClr val="accent3"/>
-            </a:solidFill>
-            <a:prstDash val="sysDot"/>
-            <a:headEnd type="none" w="med" len="med"/>
-            <a:tailEnd type="arrow" w="med" len="med"/>
-          </a:ln>
-          <a:effectLst/>
-        </p:spPr>
-        <p:style>
-          <a:lnRef idx="1">
-            <a:schemeClr val="accent2"/>
-          </a:lnRef>
-          <a:fillRef idx="2">
-            <a:schemeClr val="accent2"/>
-          </a:fillRef>
-          <a:effectRef idx="1">
-            <a:schemeClr val="accent2"/>
-          </a:effectRef>
-          <a:fontRef idx="minor">
-            <a:schemeClr val="dk1"/>
-          </a:fontRef>
-        </p:style>
-        <p:txBody>
-          <a:bodyPr rtlCol="0" anchor="ctr"/>
-          <a:lstStyle/>
-          <a:p>
-            <a:pPr algn="ctr"/>
-            <a:endParaRPr lang="en-SG"/>
+            <a:endParaRPr lang="en-SG" sz="1400">
+              <a:solidFill>
+                <a:schemeClr val="dk1"/>
+              </a:solidFill>
+            </a:endParaRPr>
           </a:p>
         </p:txBody>
       </p:sp>
     </p:spTree>
     <p:extLst>
       <p:ext uri="{BB962C8B-B14F-4D97-AF65-F5344CB8AC3E}">
-        <p14:creationId xmlns:p14="http://schemas.microsoft.com/office/powerpoint/2010/main" val="2776882492"/>
+        <p14:creationId xmlns:p14="http://schemas.microsoft.com/office/powerpoint/2010/main" val="2097224815"/>
       </p:ext>
     </p:extLst>
   </p:cSld>

--- a/docs/diagrams/UiComponentClassDiagram.pptx
+++ b/docs/diagrams/UiComponentClassDiagram.pptx
@@ -212,7 +212,7 @@
           <a:p>
             <a:fld id="{F5CC4B3F-88C1-4FFA-B1B6-F41C21DC6924}" type="datetimeFigureOut">
               <a:rPr lang="en-US" smtClean="0"/>
-              <a:t>11/1/2017</a:t>
+              <a:t>11/13/17</a:t>
             </a:fld>
             <a:endParaRPr lang="en-US"/>
           </a:p>
@@ -658,7 +658,7 @@
           <a:p>
             <a:fld id="{78C97017-6FC3-485B-9764-EAC9E56C1D49}" type="datetimeFigureOut">
               <a:rPr lang="en-US" smtClean="0"/>
-              <a:t>11/1/2017</a:t>
+              <a:t>11/13/17</a:t>
             </a:fld>
             <a:endParaRPr lang="en-US"/>
           </a:p>
@@ -826,7 +826,7 @@
           <a:p>
             <a:fld id="{78C97017-6FC3-485B-9764-EAC9E56C1D49}" type="datetimeFigureOut">
               <a:rPr lang="en-US" smtClean="0"/>
-              <a:t>11/1/2017</a:t>
+              <a:t>11/13/17</a:t>
             </a:fld>
             <a:endParaRPr lang="en-US"/>
           </a:p>
@@ -1004,7 +1004,7 @@
           <a:p>
             <a:fld id="{78C97017-6FC3-485B-9764-EAC9E56C1D49}" type="datetimeFigureOut">
               <a:rPr lang="en-US" smtClean="0"/>
-              <a:t>11/1/2017</a:t>
+              <a:t>11/13/17</a:t>
             </a:fld>
             <a:endParaRPr lang="en-US"/>
           </a:p>
@@ -1172,7 +1172,7 @@
           <a:p>
             <a:fld id="{78C97017-6FC3-485B-9764-EAC9E56C1D49}" type="datetimeFigureOut">
               <a:rPr lang="en-US" smtClean="0"/>
-              <a:t>11/1/2017</a:t>
+              <a:t>11/13/17</a:t>
             </a:fld>
             <a:endParaRPr lang="en-US"/>
           </a:p>
@@ -1417,7 +1417,7 @@
           <a:p>
             <a:fld id="{78C97017-6FC3-485B-9764-EAC9E56C1D49}" type="datetimeFigureOut">
               <a:rPr lang="en-US" smtClean="0"/>
-              <a:t>11/1/2017</a:t>
+              <a:t>11/13/17</a:t>
             </a:fld>
             <a:endParaRPr lang="en-US"/>
           </a:p>
@@ -1702,7 +1702,7 @@
           <a:p>
             <a:fld id="{78C97017-6FC3-485B-9764-EAC9E56C1D49}" type="datetimeFigureOut">
               <a:rPr lang="en-US" smtClean="0"/>
-              <a:t>11/1/2017</a:t>
+              <a:t>11/13/17</a:t>
             </a:fld>
             <a:endParaRPr lang="en-US"/>
           </a:p>
@@ -2121,7 +2121,7 @@
           <a:p>
             <a:fld id="{78C97017-6FC3-485B-9764-EAC9E56C1D49}" type="datetimeFigureOut">
               <a:rPr lang="en-US" smtClean="0"/>
-              <a:t>11/1/2017</a:t>
+              <a:t>11/13/17</a:t>
             </a:fld>
             <a:endParaRPr lang="en-US"/>
           </a:p>
@@ -2238,7 +2238,7 @@
           <a:p>
             <a:fld id="{78C97017-6FC3-485B-9764-EAC9E56C1D49}" type="datetimeFigureOut">
               <a:rPr lang="en-US" smtClean="0"/>
-              <a:t>11/1/2017</a:t>
+              <a:t>11/13/17</a:t>
             </a:fld>
             <a:endParaRPr lang="en-US"/>
           </a:p>
@@ -2333,7 +2333,7 @@
           <a:p>
             <a:fld id="{78C97017-6FC3-485B-9764-EAC9E56C1D49}" type="datetimeFigureOut">
               <a:rPr lang="en-US" smtClean="0"/>
-              <a:t>11/1/2017</a:t>
+              <a:t>11/13/17</a:t>
             </a:fld>
             <a:endParaRPr lang="en-US"/>
           </a:p>
@@ -2608,7 +2608,7 @@
           <a:p>
             <a:fld id="{78C97017-6FC3-485B-9764-EAC9E56C1D49}" type="datetimeFigureOut">
               <a:rPr lang="en-US" smtClean="0"/>
-              <a:t>11/1/2017</a:t>
+              <a:t>11/13/17</a:t>
             </a:fld>
             <a:endParaRPr lang="en-US"/>
           </a:p>
@@ -2860,7 +2860,7 @@
           <a:p>
             <a:fld id="{78C97017-6FC3-485B-9764-EAC9E56C1D49}" type="datetimeFigureOut">
               <a:rPr lang="en-US" smtClean="0"/>
-              <a:t>11/1/2017</a:t>
+              <a:t>11/13/17</a:t>
             </a:fld>
             <a:endParaRPr lang="en-US"/>
           </a:p>
@@ -3071,7 +3071,7 @@
           <a:p>
             <a:fld id="{78C97017-6FC3-485B-9764-EAC9E56C1D49}" type="datetimeFigureOut">
               <a:rPr lang="en-US" smtClean="0"/>
-              <a:t>11/1/2017</a:t>
+              <a:t>11/13/17</a:t>
             </a:fld>
             <a:endParaRPr lang="en-US"/>
           </a:p>
@@ -3451,7 +3451,7 @@
           <p:cNvPr id="54" name="Actor">
             <a:extLst>
               <a:ext uri="{FF2B5EF4-FFF2-40B4-BE49-F238E27FC236}">
-                <a16:creationId xmlns:a16="http://schemas.microsoft.com/office/drawing/2014/main" id="{A36088FA-4CDE-4F86-BAE4-A1514E973B36}"/>
+                <a16:creationId xmlns="" xmlns:a16="http://schemas.microsoft.com/office/drawing/2014/main" id="{A36088FA-4CDE-4F86-BAE4-A1514E973B36}"/>
               </a:ext>
             </a:extLst>
           </p:cNvPr>
@@ -3471,7 +3471,7 @@
             <p:cNvPr id="55" name="Flowchart: Connector 54">
               <a:extLst>
                 <a:ext uri="{FF2B5EF4-FFF2-40B4-BE49-F238E27FC236}">
-                  <a16:creationId xmlns:a16="http://schemas.microsoft.com/office/drawing/2014/main" id="{A8504F33-3C09-40A8-9846-DEC090666749}"/>
+                  <a16:creationId xmlns="" xmlns:a16="http://schemas.microsoft.com/office/drawing/2014/main" id="{A8504F33-3C09-40A8-9846-DEC090666749}"/>
                 </a:ext>
               </a:extLst>
             </p:cNvPr>
@@ -3526,7 +3526,7 @@
             <p:cNvPr id="56" name="Straight Connector 55">
               <a:extLst>
                 <a:ext uri="{FF2B5EF4-FFF2-40B4-BE49-F238E27FC236}">
-                  <a16:creationId xmlns:a16="http://schemas.microsoft.com/office/drawing/2014/main" id="{6587F881-30A5-42C5-87DD-A636E10FCB09}"/>
+                  <a16:creationId xmlns="" xmlns:a16="http://schemas.microsoft.com/office/drawing/2014/main" id="{6587F881-30A5-42C5-87DD-A636E10FCB09}"/>
                 </a:ext>
               </a:extLst>
             </p:cNvPr>
@@ -3570,7 +3570,7 @@
             <p:cNvPr id="57" name="Freeform 9">
               <a:extLst>
                 <a:ext uri="{FF2B5EF4-FFF2-40B4-BE49-F238E27FC236}">
-                  <a16:creationId xmlns:a16="http://schemas.microsoft.com/office/drawing/2014/main" id="{AB9EDA16-13F8-4AD9-9071-4E678553046E}"/>
+                  <a16:creationId xmlns="" xmlns:a16="http://schemas.microsoft.com/office/drawing/2014/main" id="{AB9EDA16-13F8-4AD9-9071-4E678553046E}"/>
                 </a:ext>
               </a:extLst>
             </p:cNvPr>
@@ -3655,7 +3655,7 @@
             <p:cNvPr id="58" name="Straight Connector 57">
               <a:extLst>
                 <a:ext uri="{FF2B5EF4-FFF2-40B4-BE49-F238E27FC236}">
-                  <a16:creationId xmlns:a16="http://schemas.microsoft.com/office/drawing/2014/main" id="{4A39464A-F525-482C-8474-E9D4CB277A53}"/>
+                  <a16:creationId xmlns="" xmlns:a16="http://schemas.microsoft.com/office/drawing/2014/main" id="{4A39464A-F525-482C-8474-E9D4CB277A53}"/>
                 </a:ext>
               </a:extLst>
             </p:cNvPr>
@@ -3698,7 +3698,7 @@
           <p:cNvPr id="59" name="Straight Connector 58">
             <a:extLst>
               <a:ext uri="{FF2B5EF4-FFF2-40B4-BE49-F238E27FC236}">
-                <a16:creationId xmlns:a16="http://schemas.microsoft.com/office/drawing/2014/main" id="{0E74E30E-7805-49C8-BDC0-808D0B1FDF47}"/>
+                <a16:creationId xmlns="" xmlns:a16="http://schemas.microsoft.com/office/drawing/2014/main" id="{0E74E30E-7805-49C8-BDC0-808D0B1FDF47}"/>
               </a:ext>
             </a:extLst>
           </p:cNvPr>
@@ -3741,7 +3741,7 @@
           <p:cNvPr id="63" name="Rectangle 62">
             <a:extLst>
               <a:ext uri="{FF2B5EF4-FFF2-40B4-BE49-F238E27FC236}">
-                <a16:creationId xmlns:a16="http://schemas.microsoft.com/office/drawing/2014/main" id="{11193CD7-9B4E-4655-9F91-CD971292D0DA}"/>
+                <a16:creationId xmlns="" xmlns:a16="http://schemas.microsoft.com/office/drawing/2014/main" id="{11193CD7-9B4E-4655-9F91-CD971292D0DA}"/>
               </a:ext>
             </a:extLst>
           </p:cNvPr>
@@ -3806,7 +3806,7 @@
           <p:cNvPr id="64" name="Straight Connector 63">
             <a:extLst>
               <a:ext uri="{FF2B5EF4-FFF2-40B4-BE49-F238E27FC236}">
-                <a16:creationId xmlns:a16="http://schemas.microsoft.com/office/drawing/2014/main" id="{0656AB17-64C9-449F-988E-2396639472BF}"/>
+                <a16:creationId xmlns="" xmlns:a16="http://schemas.microsoft.com/office/drawing/2014/main" id="{0656AB17-64C9-449F-988E-2396639472BF}"/>
               </a:ext>
             </a:extLst>
           </p:cNvPr>
@@ -3849,7 +3849,7 @@
           <p:cNvPr id="65" name="Rectangle 64">
             <a:extLst>
               <a:ext uri="{FF2B5EF4-FFF2-40B4-BE49-F238E27FC236}">
-                <a16:creationId xmlns:a16="http://schemas.microsoft.com/office/drawing/2014/main" id="{100523C9-CA82-434B-AC40-1690207C08A1}"/>
+                <a16:creationId xmlns="" xmlns:a16="http://schemas.microsoft.com/office/drawing/2014/main" id="{100523C9-CA82-434B-AC40-1690207C08A1}"/>
               </a:ext>
             </a:extLst>
           </p:cNvPr>
@@ -3906,7 +3906,7 @@
           <p:cNvPr id="68" name="Straight Arrow Connector 67">
             <a:extLst>
               <a:ext uri="{FF2B5EF4-FFF2-40B4-BE49-F238E27FC236}">
-                <a16:creationId xmlns:a16="http://schemas.microsoft.com/office/drawing/2014/main" id="{ED032855-8A5B-425D-95A8-99759B39EB40}"/>
+                <a16:creationId xmlns="" xmlns:a16="http://schemas.microsoft.com/office/drawing/2014/main" id="{ED032855-8A5B-425D-95A8-99759B39EB40}"/>
               </a:ext>
             </a:extLst>
           </p:cNvPr>
@@ -3948,7 +3948,7 @@
           <p:cNvPr id="69" name="TextBox 68">
             <a:extLst>
               <a:ext uri="{FF2B5EF4-FFF2-40B4-BE49-F238E27FC236}">
-                <a16:creationId xmlns:a16="http://schemas.microsoft.com/office/drawing/2014/main" id="{FA778F77-C1B8-44A4-94C0-B5C2E20AB5E8}"/>
+                <a16:creationId xmlns="" xmlns:a16="http://schemas.microsoft.com/office/drawing/2014/main" id="{FA778F77-C1B8-44A4-94C0-B5C2E20AB5E8}"/>
               </a:ext>
             </a:extLst>
           </p:cNvPr>
@@ -3958,7 +3958,7 @@
         <p:spPr>
           <a:xfrm>
             <a:off x="281035" y="1270856"/>
-            <a:ext cx="860170" cy="215444"/>
+            <a:ext cx="860170" cy="430887"/>
           </a:xfrm>
           <a:prstGeom prst="rect">
             <a:avLst/>
@@ -3972,8 +3972,16 @@
           <a:lstStyle/>
           <a:p>
             <a:r>
-              <a:rPr lang="en-US" sz="1400" dirty="0" err="1"/>
-              <a:t>favlist</a:t>
+              <a:rPr lang="en-US" altLang="zh-CN" sz="1400" dirty="0" smtClean="0"/>
+              <a:t>Home</a:t>
+            </a:r>
+            <a:r>
+              <a:rPr lang="zh-CN" altLang="en-US" sz="1400" dirty="0" smtClean="0"/>
+              <a:t> </a:t>
+            </a:r>
+            <a:r>
+              <a:rPr lang="en-AU" altLang="zh-CN" sz="1400" dirty="0" smtClean="0"/>
+              <a:t>command</a:t>
             </a:r>
             <a:endParaRPr lang="en-US" sz="1400" dirty="0"/>
           </a:p>
@@ -3984,19 +3992,20 @@
           <p:cNvPr id="70" name="Straight Arrow Connector 69">
             <a:extLst>
               <a:ext uri="{FF2B5EF4-FFF2-40B4-BE49-F238E27FC236}">
-                <a16:creationId xmlns:a16="http://schemas.microsoft.com/office/drawing/2014/main" id="{FEA8D363-E8A7-45CB-B05E-18611C351D91}"/>
+                <a16:creationId xmlns="" xmlns:a16="http://schemas.microsoft.com/office/drawing/2014/main" id="{FEA8D363-E8A7-45CB-B05E-18611C351D91}"/>
               </a:ext>
             </a:extLst>
           </p:cNvPr>
           <p:cNvCxnSpPr>
             <a:cxnSpLocks/>
+            <a:endCxn id="130" idx="0"/>
           </p:cNvCxnSpPr>
           <p:nvPr/>
         </p:nvCxnSpPr>
         <p:spPr>
           <a:xfrm>
             <a:off x="1553286" y="1358454"/>
-            <a:ext cx="2071323" cy="0"/>
+            <a:ext cx="2329693" cy="10711"/>
           </a:xfrm>
           <a:prstGeom prst="straightConnector1">
             <a:avLst/>
@@ -4028,7 +4037,7 @@
           <p:cNvPr id="71" name="TextBox 70">
             <a:extLst>
               <a:ext uri="{FF2B5EF4-FFF2-40B4-BE49-F238E27FC236}">
-                <a16:creationId xmlns:a16="http://schemas.microsoft.com/office/drawing/2014/main" id="{ADE8EFE8-7101-44FB-B7F9-1BE225BC8226}"/>
+                <a16:creationId xmlns="" xmlns:a16="http://schemas.microsoft.com/office/drawing/2014/main" id="{ADE8EFE8-7101-44FB-B7F9-1BE225BC8226}"/>
               </a:ext>
             </a:extLst>
           </p:cNvPr>
@@ -4037,8 +4046,8 @@
         </p:nvSpPr>
         <p:spPr>
           <a:xfrm>
-            <a:off x="1980389" y="1378355"/>
-            <a:ext cx="1424846" cy="215444"/>
+            <a:off x="1572127" y="1560007"/>
+            <a:ext cx="2302459" cy="215444"/>
           </a:xfrm>
           <a:prstGeom prst="rect">
             <a:avLst/>
@@ -4052,82 +4061,43 @@
           <a:lstStyle/>
           <a:p>
             <a:r>
-              <a:rPr lang="en-US" sz="1400" dirty="0">
+              <a:rPr lang="en-US" sz="1400" dirty="0" smtClean="0">
                 <a:solidFill>
                   <a:srgbClr val="0070C0"/>
                 </a:solidFill>
               </a:rPr>
-              <a:t>execute(“</a:t>
-            </a:r>
-            <a:r>
-              <a:rPr lang="en-US" sz="1400" dirty="0" err="1">
+              <a:t>execute(</a:t>
+            </a:r>
+            <a:r>
+              <a:rPr lang="en-US" sz="1400" dirty="0" err="1" smtClean="0">
                 <a:solidFill>
                   <a:srgbClr val="0070C0"/>
                 </a:solidFill>
               </a:rPr>
-              <a:t>favlist</a:t>
-            </a:r>
-            <a:r>
-              <a:rPr lang="en-US" sz="1400" dirty="0">
+              <a:t>HomeCommand</a:t>
+            </a:r>
+            <a:r>
+              <a:rPr lang="en-US" sz="1400" dirty="0" smtClean="0">
                 <a:solidFill>
                   <a:srgbClr val="0070C0"/>
                 </a:solidFill>
               </a:rPr>
-              <a:t>”)</a:t>
-            </a:r>
-          </a:p>
-        </p:txBody>
-      </p:sp>
-      <p:cxnSp>
-        <p:nvCxnSpPr>
-          <p:cNvPr id="72" name="Straight Arrow Connector 71">
-            <a:extLst>
-              <a:ext uri="{FF2B5EF4-FFF2-40B4-BE49-F238E27FC236}">
-                <a16:creationId xmlns:a16="http://schemas.microsoft.com/office/drawing/2014/main" id="{123EC260-7E25-4EE4-8397-01B13FA8E997}"/>
-              </a:ext>
-            </a:extLst>
-          </p:cNvPr>
-          <p:cNvCxnSpPr/>
-          <p:nvPr/>
-        </p:nvCxnSpPr>
-        <p:spPr>
-          <a:xfrm>
-            <a:off x="1553286" y="2190978"/>
-            <a:ext cx="2058118" cy="0"/>
-          </a:xfrm>
-          <a:prstGeom prst="straightConnector1">
-            <a:avLst/>
-          </a:prstGeom>
-          <a:ln w="19050">
-            <a:solidFill>
-              <a:srgbClr val="0070C0"/>
-            </a:solidFill>
-            <a:prstDash val="sysDash"/>
-            <a:headEnd type="arrow" w="med" len="med"/>
-            <a:tailEnd type="none" w="med" len="med"/>
-          </a:ln>
-        </p:spPr>
-        <p:style>
-          <a:lnRef idx="1">
-            <a:schemeClr val="accent1"/>
-          </a:lnRef>
-          <a:fillRef idx="0">
-            <a:schemeClr val="accent1"/>
-          </a:fillRef>
-          <a:effectRef idx="0">
-            <a:schemeClr val="accent1"/>
-          </a:effectRef>
-          <a:fontRef idx="minor">
-            <a:schemeClr val="tx1"/>
-          </a:fontRef>
-        </p:style>
-      </p:cxnSp>
+              <a:t>)</a:t>
+            </a:r>
+            <a:endParaRPr lang="en-US" sz="1400" dirty="0">
+              <a:solidFill>
+                <a:srgbClr val="0070C0"/>
+              </a:solidFill>
+            </a:endParaRPr>
+          </a:p>
+        </p:txBody>
+      </p:sp>
       <p:sp>
         <p:nvSpPr>
           <p:cNvPr id="125" name="Rectangle 62">
             <a:extLst>
               <a:ext uri="{FF2B5EF4-FFF2-40B4-BE49-F238E27FC236}">
-                <a16:creationId xmlns:a16="http://schemas.microsoft.com/office/drawing/2014/main" id="{B09792BC-F633-44D9-9C97-F226B72A507E}"/>
+                <a16:creationId xmlns="" xmlns:a16="http://schemas.microsoft.com/office/drawing/2014/main" id="{B09792BC-F633-44D9-9C97-F226B72A507E}"/>
               </a:ext>
             </a:extLst>
           </p:cNvPr>
@@ -4136,7 +4106,7 @@
         </p:nvSpPr>
         <p:spPr>
           <a:xfrm>
-            <a:off x="3319145" y="583121"/>
+            <a:off x="3372937" y="501636"/>
             <a:ext cx="1093635" cy="346760"/>
           </a:xfrm>
           <a:prstGeom prst="rect">
@@ -4192,7 +4162,7 @@
           <p:cNvPr id="126" name="Straight Arrow Connector 125">
             <a:extLst>
               <a:ext uri="{FF2B5EF4-FFF2-40B4-BE49-F238E27FC236}">
-                <a16:creationId xmlns:a16="http://schemas.microsoft.com/office/drawing/2014/main" id="{D8E9BDA8-B885-41F8-97D8-4A6D31F7780F}"/>
+                <a16:creationId xmlns="" xmlns:a16="http://schemas.microsoft.com/office/drawing/2014/main" id="{D8E9BDA8-B885-41F8-97D8-4A6D31F7780F}"/>
               </a:ext>
             </a:extLst>
           </p:cNvPr>
@@ -4203,8 +4173,8 @@
         </p:nvCxnSpPr>
         <p:spPr>
           <a:xfrm flipV="1">
-            <a:off x="3752187" y="1473927"/>
-            <a:ext cx="2551170" cy="21258"/>
+            <a:off x="3752187" y="1494351"/>
+            <a:ext cx="2694820" cy="834"/>
           </a:xfrm>
           <a:prstGeom prst="straightConnector1">
             <a:avLst/>
@@ -4236,7 +4206,7 @@
           <p:cNvPr id="127" name="TextBox 126">
             <a:extLst>
               <a:ext uri="{FF2B5EF4-FFF2-40B4-BE49-F238E27FC236}">
-                <a16:creationId xmlns:a16="http://schemas.microsoft.com/office/drawing/2014/main" id="{F672D82F-C6B1-4EEB-8D79-D104851F0AB4}"/>
+                <a16:creationId xmlns="" xmlns:a16="http://schemas.microsoft.com/office/drawing/2014/main" id="{F672D82F-C6B1-4EEB-8D79-D104851F0AB4}"/>
               </a:ext>
             </a:extLst>
           </p:cNvPr>
@@ -4245,8 +4215,8 @@
         </p:nvSpPr>
         <p:spPr>
           <a:xfrm>
-            <a:off x="3865962" y="1531429"/>
-            <a:ext cx="2470762" cy="215444"/>
+            <a:off x="4369720" y="1167179"/>
+            <a:ext cx="2470762" cy="184666"/>
           </a:xfrm>
           <a:prstGeom prst="rect">
             <a:avLst/>
@@ -4260,76 +4230,35 @@
           <a:lstStyle/>
           <a:p>
             <a:r>
-              <a:rPr lang="en-US" sz="1400" dirty="0" err="1">
+              <a:rPr lang="en-US" sz="1200" dirty="0" err="1" smtClean="0">
                 <a:solidFill>
                   <a:srgbClr val="7030A0"/>
                 </a:solidFill>
               </a:rPr>
-              <a:t>getFilteredFavouritePersonList</a:t>
-            </a:r>
-            <a:r>
-              <a:rPr lang="en-US" sz="1400" dirty="0">
+              <a:t>parseHomeCommand</a:t>
+            </a:r>
+            <a:r>
+              <a:rPr lang="en-US" sz="1200" dirty="0" smtClean="0">
                 <a:solidFill>
                   <a:srgbClr val="7030A0"/>
                 </a:solidFill>
               </a:rPr>
               <a:t>()</a:t>
             </a:r>
-          </a:p>
-        </p:txBody>
-      </p:sp>
-      <p:cxnSp>
-        <p:nvCxnSpPr>
-          <p:cNvPr id="128" name="Straight Arrow Connector 127">
-            <a:extLst>
-              <a:ext uri="{FF2B5EF4-FFF2-40B4-BE49-F238E27FC236}">
-                <a16:creationId xmlns:a16="http://schemas.microsoft.com/office/drawing/2014/main" id="{2B6C41BB-F90C-41C8-949B-1D8AA68A8E1B}"/>
-              </a:ext>
-            </a:extLst>
-          </p:cNvPr>
-          <p:cNvCxnSpPr>
-            <a:cxnSpLocks/>
-          </p:cNvCxnSpPr>
-          <p:nvPr/>
-        </p:nvCxnSpPr>
-        <p:spPr>
-          <a:xfrm>
-            <a:off x="3752187" y="2125321"/>
-            <a:ext cx="2542420" cy="0"/>
-          </a:xfrm>
-          <a:prstGeom prst="straightConnector1">
-            <a:avLst/>
-          </a:prstGeom>
-          <a:ln w="19050">
-            <a:solidFill>
-              <a:srgbClr val="7030A0"/>
-            </a:solidFill>
-            <a:prstDash val="sysDash"/>
-            <a:headEnd type="arrow" w="med" len="med"/>
-            <a:tailEnd type="none" w="med" len="med"/>
-          </a:ln>
-        </p:spPr>
-        <p:style>
-          <a:lnRef idx="1">
-            <a:schemeClr val="accent1"/>
-          </a:lnRef>
-          <a:fillRef idx="0">
-            <a:schemeClr val="accent1"/>
-          </a:fillRef>
-          <a:effectRef idx="0">
-            <a:schemeClr val="accent1"/>
-          </a:effectRef>
-          <a:fontRef idx="minor">
-            <a:schemeClr val="tx1"/>
-          </a:fontRef>
-        </p:style>
-      </p:cxnSp>
+            <a:endParaRPr lang="en-US" sz="1200" dirty="0">
+              <a:solidFill>
+                <a:srgbClr val="7030A0"/>
+              </a:solidFill>
+            </a:endParaRPr>
+          </a:p>
+        </p:txBody>
+      </p:sp>
       <p:cxnSp>
         <p:nvCxnSpPr>
           <p:cNvPr id="129" name="Straight Connector 128">
             <a:extLst>
               <a:ext uri="{FF2B5EF4-FFF2-40B4-BE49-F238E27FC236}">
-                <a16:creationId xmlns:a16="http://schemas.microsoft.com/office/drawing/2014/main" id="{B0241814-1220-4809-A710-F6093C7AD114}"/>
+                <a16:creationId xmlns="" xmlns:a16="http://schemas.microsoft.com/office/drawing/2014/main" id="{B0241814-1220-4809-A710-F6093C7AD114}"/>
               </a:ext>
             </a:extLst>
           </p:cNvPr>
@@ -4338,7 +4267,7 @@
         </p:nvCxnSpPr>
         <p:spPr>
           <a:xfrm>
-            <a:off x="3680179" y="871768"/>
+            <a:off x="3895714" y="894157"/>
             <a:ext cx="0" cy="1723059"/>
           </a:xfrm>
           <a:prstGeom prst="line">
@@ -4372,7 +4301,7 @@
           <p:cNvPr id="130" name="Rectangle 129">
             <a:extLst>
               <a:ext uri="{FF2B5EF4-FFF2-40B4-BE49-F238E27FC236}">
-                <a16:creationId xmlns:a16="http://schemas.microsoft.com/office/drawing/2014/main" id="{E73AD254-F924-4B33-8C26-11BCCD479224}"/>
+                <a16:creationId xmlns="" xmlns:a16="http://schemas.microsoft.com/office/drawing/2014/main" id="{E73AD254-F924-4B33-8C26-11BCCD479224}"/>
               </a:ext>
             </a:extLst>
           </p:cNvPr>
@@ -4381,8 +4310,8 @@
         </p:nvSpPr>
         <p:spPr>
           <a:xfrm>
-            <a:off x="3608171" y="1358454"/>
-            <a:ext cx="144016" cy="832525"/>
+            <a:off x="3823706" y="1369165"/>
+            <a:ext cx="118545" cy="701940"/>
           </a:xfrm>
           <a:prstGeom prst="rect">
             <a:avLst/>
@@ -4426,64 +4355,57 @@
       </p:sp>
       <p:sp>
         <p:nvSpPr>
-          <p:cNvPr id="132" name="Rectangle 62">
+          <p:cNvPr id="135" name="TextBox 134">
             <a:extLst>
               <a:ext uri="{FF2B5EF4-FFF2-40B4-BE49-F238E27FC236}">
-                <a16:creationId xmlns:a16="http://schemas.microsoft.com/office/drawing/2014/main" id="{114E3217-7A19-46C4-9508-CF6D7F617037}"/>
+                <a16:creationId xmlns="" xmlns:a16="http://schemas.microsoft.com/office/drawing/2014/main" id="{0A01D8A9-E377-4ED0-AC44-4E93A0FFC7A8}"/>
               </a:ext>
             </a:extLst>
           </p:cNvPr>
-          <p:cNvSpPr/>
+          <p:cNvSpPr txBox="1"/>
           <p:nvPr/>
         </p:nvSpPr>
         <p:spPr>
           <a:xfrm>
-            <a:off x="5819798" y="543445"/>
-            <a:ext cx="1093635" cy="346760"/>
+            <a:off x="6251441" y="1129510"/>
+            <a:ext cx="2401180" cy="215444"/>
           </a:xfrm>
           <a:prstGeom prst="rect">
             <a:avLst/>
           </a:prstGeom>
-          <a:solidFill>
-            <a:srgbClr val="7030A0"/>
-          </a:solidFill>
-          <a:ln w="19050">
-            <a:solidFill>
-              <a:srgbClr val="7030A0"/>
-            </a:solidFill>
-          </a:ln>
-          <a:effectLst/>
+          <a:noFill/>
         </p:spPr>
-        <p:style>
-          <a:lnRef idx="1">
-            <a:schemeClr val="accent2"/>
-          </a:lnRef>
-          <a:fillRef idx="2">
-            <a:schemeClr val="accent2"/>
-          </a:fillRef>
-          <a:effectRef idx="1">
-            <a:schemeClr val="accent2"/>
-          </a:effectRef>
-          <a:fontRef idx="minor">
-            <a:schemeClr val="dk1"/>
-          </a:fontRef>
-        </p:style>
-        <p:txBody>
-          <a:bodyPr rtlCol="0" anchor="ctr"/>
-          <a:lstStyle/>
-          <a:p>
-            <a:pPr algn="ctr"/>
-            <a:r>
-              <a:rPr lang="en-US" sz="1600" dirty="0">
+        <p:txBody>
+          <a:bodyPr wrap="square" lIns="0" tIns="0" rIns="0" bIns="0" rtlCol="0">
+            <a:spAutoFit/>
+          </a:bodyPr>
+          <a:lstStyle/>
+          <a:p>
+            <a:r>
+              <a:rPr lang="en-US" sz="1400" dirty="0" smtClean="0">
                 <a:solidFill>
-                  <a:schemeClr val="bg1"/>
+                  <a:schemeClr val="accent5">
+                    <a:lumMod val="75000"/>
+                  </a:schemeClr>
                 </a:solidFill>
               </a:rPr>
-              <a:t>:Model</a:t>
-            </a:r>
-            <a:endParaRPr lang="en-SG" sz="1600" dirty="0">
+              <a:t>Raise new </a:t>
+            </a:r>
+            <a:r>
+              <a:rPr lang="en-US" sz="1400" dirty="0" err="1" smtClean="0">
+                <a:solidFill>
+                  <a:schemeClr val="accent5">
+                    <a:lumMod val="75000"/>
+                  </a:schemeClr>
+                </a:solidFill>
+              </a:rPr>
+              <a:t>JumpToHomeEvent</a:t>
+            </a:r>
+            <a:endParaRPr lang="en-US" sz="1400" dirty="0">
               <a:solidFill>
-                <a:schemeClr val="bg1"/>
+                <a:schemeClr val="accent5">
+                  <a:lumMod val="75000"/>
+                </a:schemeClr>
               </a:solidFill>
             </a:endParaRPr>
           </a:p>
@@ -4491,10 +4413,10 @@
       </p:sp>
       <p:cxnSp>
         <p:nvCxnSpPr>
-          <p:cNvPr id="133" name="Straight Connector 132">
+          <p:cNvPr id="138" name="Straight Arrow Connector 137">
             <a:extLst>
               <a:ext uri="{FF2B5EF4-FFF2-40B4-BE49-F238E27FC236}">
-                <a16:creationId xmlns:a16="http://schemas.microsoft.com/office/drawing/2014/main" id="{566089AA-8AC5-4B08-98FE-4E2634ACC11F}"/>
+                <a16:creationId xmlns="" xmlns:a16="http://schemas.microsoft.com/office/drawing/2014/main" id="{AB965B99-BA25-4D07-9E1C-27BD56E00384}"/>
               </a:ext>
             </a:extLst>
           </p:cNvPr>
@@ -4503,158 +4425,7 @@
         </p:nvCxnSpPr>
         <p:spPr>
           <a:xfrm>
-            <a:off x="6366615" y="907116"/>
-            <a:ext cx="0" cy="1723059"/>
-          </a:xfrm>
-          <a:prstGeom prst="line">
-            <a:avLst/>
-          </a:prstGeom>
-          <a:ln w="19050">
-            <a:solidFill>
-              <a:srgbClr val="7030A0"/>
-            </a:solidFill>
-            <a:prstDash val="sysDash"/>
-          </a:ln>
-          <a:effectLst/>
-        </p:spPr>
-        <p:style>
-          <a:lnRef idx="1">
-            <a:schemeClr val="accent1"/>
-          </a:lnRef>
-          <a:fillRef idx="2">
-            <a:schemeClr val="accent1"/>
-          </a:fillRef>
-          <a:effectRef idx="1">
-            <a:schemeClr val="accent1"/>
-          </a:effectRef>
-          <a:fontRef idx="minor">
-            <a:schemeClr val="dk1"/>
-          </a:fontRef>
-        </p:style>
-      </p:cxnSp>
-      <p:sp>
-        <p:nvSpPr>
-          <p:cNvPr id="134" name="Rectangle 133">
-            <a:extLst>
-              <a:ext uri="{FF2B5EF4-FFF2-40B4-BE49-F238E27FC236}">
-                <a16:creationId xmlns:a16="http://schemas.microsoft.com/office/drawing/2014/main" id="{5236D089-C0C2-4014-B969-ACDC873CB129}"/>
-              </a:ext>
-            </a:extLst>
-          </p:cNvPr>
-          <p:cNvSpPr/>
-          <p:nvPr/>
-        </p:nvSpPr>
-        <p:spPr>
-          <a:xfrm>
-            <a:off x="6294607" y="1473927"/>
-            <a:ext cx="142006" cy="651394"/>
-          </a:xfrm>
-          <a:prstGeom prst="rect">
-            <a:avLst/>
-          </a:prstGeom>
-          <a:solidFill>
-            <a:srgbClr val="7030A0"/>
-          </a:solidFill>
-          <a:ln>
-            <a:solidFill>
-              <a:srgbClr val="7030A0"/>
-            </a:solidFill>
-          </a:ln>
-          <a:effectLst/>
-        </p:spPr>
-        <p:style>
-          <a:lnRef idx="1">
-            <a:schemeClr val="accent3"/>
-          </a:lnRef>
-          <a:fillRef idx="2">
-            <a:schemeClr val="accent3"/>
-          </a:fillRef>
-          <a:effectRef idx="1">
-            <a:schemeClr val="accent3"/>
-          </a:effectRef>
-          <a:fontRef idx="minor">
-            <a:schemeClr val="dk1"/>
-          </a:fontRef>
-        </p:style>
-        <p:txBody>
-          <a:bodyPr rtlCol="0" anchor="ctr"/>
-          <a:lstStyle/>
-          <a:p>
-            <a:pPr algn="ctr"/>
-            <a:endParaRPr lang="en-SG" sz="1400">
-              <a:solidFill>
-                <a:schemeClr val="dk1"/>
-              </a:solidFill>
-            </a:endParaRPr>
-          </a:p>
-        </p:txBody>
-      </p:sp>
-      <p:sp>
-        <p:nvSpPr>
-          <p:cNvPr id="135" name="TextBox 134">
-            <a:extLst>
-              <a:ext uri="{FF2B5EF4-FFF2-40B4-BE49-F238E27FC236}">
-                <a16:creationId xmlns:a16="http://schemas.microsoft.com/office/drawing/2014/main" id="{0A01D8A9-E377-4ED0-AC44-4E93A0FFC7A8}"/>
-              </a:ext>
-            </a:extLst>
-          </p:cNvPr>
-          <p:cNvSpPr txBox="1"/>
-          <p:nvPr/>
-        </p:nvSpPr>
-        <p:spPr>
-          <a:xfrm>
-            <a:off x="7071359" y="1612213"/>
-            <a:ext cx="2438400" cy="215444"/>
-          </a:xfrm>
-          <a:prstGeom prst="rect">
-            <a:avLst/>
-          </a:prstGeom>
-          <a:noFill/>
-        </p:spPr>
-        <p:txBody>
-          <a:bodyPr wrap="square" lIns="0" tIns="0" rIns="0" bIns="0" rtlCol="0">
-            <a:spAutoFit/>
-          </a:bodyPr>
-          <a:lstStyle/>
-          <a:p>
-            <a:r>
-              <a:rPr lang="en-US" sz="1400" dirty="0" err="1">
-                <a:solidFill>
-                  <a:schemeClr val="accent5">
-                    <a:lumMod val="75000"/>
-                  </a:schemeClr>
-                </a:solidFill>
-              </a:rPr>
-              <a:t>getFavouritePersonList</a:t>
-            </a:r>
-            <a:r>
-              <a:rPr lang="en-US" sz="1400" dirty="0">
-                <a:solidFill>
-                  <a:schemeClr val="accent5">
-                    <a:lumMod val="75000"/>
-                  </a:schemeClr>
-                </a:solidFill>
-              </a:rPr>
-              <a:t>()</a:t>
-            </a:r>
-          </a:p>
-        </p:txBody>
-      </p:sp>
-      <p:cxnSp>
-        <p:nvCxnSpPr>
-          <p:cNvPr id="138" name="Straight Arrow Connector 137">
-            <a:extLst>
-              <a:ext uri="{FF2B5EF4-FFF2-40B4-BE49-F238E27FC236}">
-                <a16:creationId xmlns:a16="http://schemas.microsoft.com/office/drawing/2014/main" id="{AB965B99-BA25-4D07-9E1C-27BD56E00384}"/>
-              </a:ext>
-            </a:extLst>
-          </p:cNvPr>
-          <p:cNvCxnSpPr/>
-          <p:nvPr/>
-        </p:nvCxnSpPr>
-        <p:spPr>
-          <a:xfrm>
-            <a:off x="6447007" y="1896721"/>
+            <a:off x="6429608" y="1494351"/>
             <a:ext cx="2568438" cy="0"/>
           </a:xfrm>
           <a:prstGeom prst="straightConnector1">
@@ -4687,7 +4458,7 @@
           <p:cNvPr id="139" name="Straight Arrow Connector 138">
             <a:extLst>
               <a:ext uri="{FF2B5EF4-FFF2-40B4-BE49-F238E27FC236}">
-                <a16:creationId xmlns:a16="http://schemas.microsoft.com/office/drawing/2014/main" id="{253A1944-DBCA-4052-8C97-F4598532DCD5}"/>
+                <a16:creationId xmlns="" xmlns:a16="http://schemas.microsoft.com/office/drawing/2014/main" id="{253A1944-DBCA-4052-8C97-F4598532DCD5}"/>
               </a:ext>
             </a:extLst>
           </p:cNvPr>
@@ -4696,8 +4467,8 @@
         </p:nvCxnSpPr>
         <p:spPr>
           <a:xfrm>
-            <a:off x="6447007" y="2073508"/>
-            <a:ext cx="2549946" cy="0"/>
+            <a:off x="3986149" y="2049268"/>
+            <a:ext cx="4886919" cy="259401"/>
           </a:xfrm>
           <a:prstGeom prst="straightConnector1">
             <a:avLst/>
@@ -4733,7 +4504,7 @@
           <p:cNvPr id="141" name="Rectangle 62">
             <a:extLst>
               <a:ext uri="{FF2B5EF4-FFF2-40B4-BE49-F238E27FC236}">
-                <a16:creationId xmlns:a16="http://schemas.microsoft.com/office/drawing/2014/main" id="{9C80A96D-7983-4FA3-8138-04EE12A07357}"/>
+                <a16:creationId xmlns="" xmlns:a16="http://schemas.microsoft.com/office/drawing/2014/main" id="{9C80A96D-7983-4FA3-8138-04EE12A07357}"/>
               </a:ext>
             </a:extLst>
           </p:cNvPr>
@@ -4782,20 +4553,12 @@
           <a:p>
             <a:pPr algn="ctr"/>
             <a:r>
-              <a:rPr lang="en-US" sz="1600" dirty="0">
+              <a:rPr lang="en-US" sz="1600" dirty="0" smtClean="0">
                 <a:solidFill>
                   <a:schemeClr val="bg1"/>
                 </a:solidFill>
               </a:rPr>
-              <a:t>:</a:t>
-            </a:r>
-            <a:r>
-              <a:rPr lang="en-US" sz="1600" dirty="0" err="1">
-                <a:solidFill>
-                  <a:schemeClr val="bg1"/>
-                </a:solidFill>
-              </a:rPr>
-              <a:t>AddressBook</a:t>
+              <a:t>:Event</a:t>
             </a:r>
             <a:endParaRPr lang="en-SG" sz="1600" dirty="0">
               <a:solidFill>
@@ -4810,7 +4573,7 @@
           <p:cNvPr id="142" name="Straight Connector 141">
             <a:extLst>
               <a:ext uri="{FF2B5EF4-FFF2-40B4-BE49-F238E27FC236}">
-                <a16:creationId xmlns:a16="http://schemas.microsoft.com/office/drawing/2014/main" id="{EE476911-9724-4A28-93D1-BEE0CCA1F149}"/>
+                <a16:creationId xmlns="" xmlns:a16="http://schemas.microsoft.com/office/drawing/2014/main" id="{EE476911-9724-4A28-93D1-BEE0CCA1F149}"/>
               </a:ext>
             </a:extLst>
           </p:cNvPr>
@@ -4855,7 +4618,7 @@
           <p:cNvPr id="143" name="Rectangle 142">
             <a:extLst>
               <a:ext uri="{FF2B5EF4-FFF2-40B4-BE49-F238E27FC236}">
-                <a16:creationId xmlns:a16="http://schemas.microsoft.com/office/drawing/2014/main" id="{94090742-F533-4A2F-B43A-850EDF878093}"/>
+                <a16:creationId xmlns="" xmlns:a16="http://schemas.microsoft.com/office/drawing/2014/main" id="{94090742-F533-4A2F-B43A-850EDF878093}"/>
               </a:ext>
             </a:extLst>
           </p:cNvPr>
@@ -4911,6 +4674,235 @@
           </a:p>
         </p:txBody>
       </p:sp>
+      <p:sp>
+        <p:nvSpPr>
+          <p:cNvPr id="37" name="TextBox 36">
+            <a:extLst>
+              <a:ext uri="{FF2B5EF4-FFF2-40B4-BE49-F238E27FC236}">
+                <a16:creationId xmlns="" xmlns:a16="http://schemas.microsoft.com/office/drawing/2014/main" id="{0A01D8A9-E377-4ED0-AC44-4E93A0FFC7A8}"/>
+              </a:ext>
+            </a:extLst>
+          </p:cNvPr>
+          <p:cNvSpPr txBox="1"/>
+          <p:nvPr/>
+        </p:nvSpPr>
+        <p:spPr>
+          <a:xfrm>
+            <a:off x="1579949" y="2330567"/>
+            <a:ext cx="2356906" cy="215444"/>
+          </a:xfrm>
+          <a:prstGeom prst="rect">
+            <a:avLst/>
+          </a:prstGeom>
+          <a:noFill/>
+        </p:spPr>
+        <p:txBody>
+          <a:bodyPr wrap="square" lIns="0" tIns="0" rIns="0" bIns="0" rtlCol="0">
+            <a:spAutoFit/>
+          </a:bodyPr>
+          <a:lstStyle/>
+          <a:p>
+            <a:r>
+              <a:rPr lang="en-US" sz="1400" dirty="0" err="1" smtClean="0">
+                <a:solidFill>
+                  <a:schemeClr val="accent5">
+                    <a:lumMod val="75000"/>
+                  </a:schemeClr>
+                </a:solidFill>
+              </a:rPr>
+              <a:t>RerenderingBrowserPanel</a:t>
+            </a:r>
+            <a:r>
+              <a:rPr lang="en-US" sz="1400" dirty="0" smtClean="0">
+                <a:solidFill>
+                  <a:schemeClr val="accent5">
+                    <a:lumMod val="75000"/>
+                  </a:schemeClr>
+                </a:solidFill>
+              </a:rPr>
+              <a:t>(</a:t>
+            </a:r>
+            <a:r>
+              <a:rPr lang="en-US" sz="1400" dirty="0" err="1" smtClean="0">
+                <a:solidFill>
+                  <a:schemeClr val="accent5">
+                    <a:lumMod val="75000"/>
+                  </a:schemeClr>
+                </a:solidFill>
+              </a:rPr>
+              <a:t>url</a:t>
+            </a:r>
+            <a:r>
+              <a:rPr lang="en-US" sz="1400" dirty="0" smtClean="0">
+                <a:solidFill>
+                  <a:schemeClr val="accent5">
+                    <a:lumMod val="75000"/>
+                  </a:schemeClr>
+                </a:solidFill>
+              </a:rPr>
+              <a:t>)</a:t>
+            </a:r>
+            <a:endParaRPr lang="en-US" sz="1400" dirty="0" smtClean="0">
+              <a:solidFill>
+                <a:schemeClr val="accent5">
+                  <a:lumMod val="75000"/>
+                </a:schemeClr>
+              </a:solidFill>
+            </a:endParaRPr>
+          </a:p>
+        </p:txBody>
+      </p:sp>
+      <p:sp>
+        <p:nvSpPr>
+          <p:cNvPr id="39" name="TextBox 38">
+            <a:extLst>
+              <a:ext uri="{FF2B5EF4-FFF2-40B4-BE49-F238E27FC236}">
+                <a16:creationId xmlns="" xmlns:a16="http://schemas.microsoft.com/office/drawing/2014/main" id="{ADE8EFE8-7101-44FB-B7F9-1BE225BC8226}"/>
+              </a:ext>
+            </a:extLst>
+          </p:cNvPr>
+          <p:cNvSpPr txBox="1"/>
+          <p:nvPr/>
+        </p:nvSpPr>
+        <p:spPr>
+          <a:xfrm>
+            <a:off x="1624750" y="1881142"/>
+            <a:ext cx="2587733" cy="169277"/>
+          </a:xfrm>
+          <a:prstGeom prst="rect">
+            <a:avLst/>
+          </a:prstGeom>
+          <a:noFill/>
+        </p:spPr>
+        <p:txBody>
+          <a:bodyPr wrap="square" lIns="0" tIns="0" rIns="0" bIns="0" rtlCol="0">
+            <a:spAutoFit/>
+          </a:bodyPr>
+          <a:lstStyle/>
+          <a:p>
+            <a:r>
+              <a:rPr lang="en-US" sz="1100" dirty="0" err="1" smtClean="0">
+                <a:solidFill>
+                  <a:srgbClr val="0070C0"/>
+                </a:solidFill>
+              </a:rPr>
+              <a:t>homeCommand</a:t>
+            </a:r>
+            <a:r>
+              <a:rPr lang="en-US" sz="1100" dirty="0" err="1" smtClean="0">
+                <a:solidFill>
+                  <a:srgbClr val="0070C0"/>
+                </a:solidFill>
+              </a:rPr>
+              <a:t>ExecutedMessage</a:t>
+            </a:r>
+            <a:r>
+              <a:rPr lang="en-US" sz="1100" dirty="0" smtClean="0">
+                <a:solidFill>
+                  <a:srgbClr val="0070C0"/>
+                </a:solidFill>
+              </a:rPr>
+              <a:t>()</a:t>
+            </a:r>
+            <a:endParaRPr lang="en-US" sz="1100" dirty="0">
+              <a:solidFill>
+                <a:srgbClr val="0070C0"/>
+              </a:solidFill>
+            </a:endParaRPr>
+          </a:p>
+        </p:txBody>
+      </p:sp>
+      <p:cxnSp>
+        <p:nvCxnSpPr>
+          <p:cNvPr id="10" name="Straight Arrow Connector 9"/>
+          <p:cNvCxnSpPr/>
+          <p:nvPr/>
+        </p:nvCxnSpPr>
+        <p:spPr>
+          <a:xfrm flipH="1">
+            <a:off x="1596779" y="1999923"/>
+            <a:ext cx="2075787" cy="123855"/>
+          </a:xfrm>
+          <a:prstGeom prst="straightConnector1">
+            <a:avLst/>
+          </a:prstGeom>
+          <a:ln w="28575">
+            <a:tailEnd type="triangle"/>
+          </a:ln>
+        </p:spPr>
+        <p:style>
+          <a:lnRef idx="1">
+            <a:schemeClr val="accent1"/>
+          </a:lnRef>
+          <a:fillRef idx="0">
+            <a:schemeClr val="accent1"/>
+          </a:fillRef>
+          <a:effectRef idx="0">
+            <a:schemeClr val="accent1"/>
+          </a:effectRef>
+          <a:fontRef idx="minor">
+            <a:schemeClr val="tx1"/>
+          </a:fontRef>
+        </p:style>
+      </p:cxnSp>
+      <p:sp>
+        <p:nvSpPr>
+          <p:cNvPr id="45" name="TextBox 44">
+            <a:extLst>
+              <a:ext uri="{FF2B5EF4-FFF2-40B4-BE49-F238E27FC236}">
+                <a16:creationId xmlns="" xmlns:a16="http://schemas.microsoft.com/office/drawing/2014/main" id="{0A01D8A9-E377-4ED0-AC44-4E93A0FFC7A8}"/>
+              </a:ext>
+            </a:extLst>
+          </p:cNvPr>
+          <p:cNvSpPr txBox="1"/>
+          <p:nvPr/>
+        </p:nvSpPr>
+        <p:spPr>
+          <a:xfrm>
+            <a:off x="5809282" y="2328654"/>
+            <a:ext cx="2062400" cy="215444"/>
+          </a:xfrm>
+          <a:prstGeom prst="rect">
+            <a:avLst/>
+          </a:prstGeom>
+          <a:noFill/>
+        </p:spPr>
+        <p:txBody>
+          <a:bodyPr wrap="square" lIns="0" tIns="0" rIns="0" bIns="0" rtlCol="0">
+            <a:spAutoFit/>
+          </a:bodyPr>
+          <a:lstStyle/>
+          <a:p>
+            <a:r>
+              <a:rPr lang="en-US" sz="1400" smtClean="0">
+                <a:solidFill>
+                  <a:schemeClr val="accent5">
+                    <a:lumMod val="75000"/>
+                  </a:schemeClr>
+                </a:solidFill>
+              </a:rPr>
+              <a:t>getHomeUrl</a:t>
+            </a:r>
+            <a:r>
+              <a:rPr lang="en-US" sz="1400" dirty="0" smtClean="0">
+                <a:solidFill>
+                  <a:schemeClr val="accent5">
+                    <a:lumMod val="75000"/>
+                  </a:schemeClr>
+                </a:solidFill>
+              </a:rPr>
+              <a:t>()</a:t>
+            </a:r>
+            <a:endParaRPr lang="en-US" sz="1400" dirty="0" smtClean="0">
+              <a:solidFill>
+                <a:schemeClr val="accent5">
+                  <a:lumMod val="75000"/>
+                </a:schemeClr>
+              </a:solidFill>
+            </a:endParaRPr>
+          </a:p>
+        </p:txBody>
+      </p:sp>
     </p:spTree>
     <p:extLst>
       <p:ext uri="{BB962C8B-B14F-4D97-AF65-F5344CB8AC3E}">
@@ -4921,6 +4913,13 @@
   <p:clrMapOvr>
     <a:masterClrMapping/>
   </p:clrMapOvr>
+  <p:timing>
+    <p:tnLst>
+      <p:par>
+        <p:cTn id="1" dur="indefinite" restart="never" nodeType="tmRoot"/>
+      </p:par>
+    </p:tnLst>
+  </p:timing>
 </p:sld>
 </file>
 
